--- a/images/images.pptx
+++ b/images/images.pptx
@@ -8,6 +8,7 @@
     <p:sldId id="259" r:id="rId2"/>
     <p:sldId id="261" r:id="rId3"/>
     <p:sldId id="258" r:id="rId4"/>
+    <p:sldId id="262" r:id="rId5"/>
   </p:sldIdLst>
   <p:sldSz cx="12192000" cy="6858000"/>
   <p:notesSz cx="6858000" cy="9144000"/>
@@ -3951,6 +3952,848 @@
 </p:sld>
 </file>
 
+<file path=ppt/slides/slide4.xml><?xml version="1.0" encoding="utf-8"?>
+<p:sld xmlns:a="http://schemas.openxmlformats.org/drawingml/2006/main" xmlns:r="http://schemas.openxmlformats.org/officeDocument/2006/relationships" xmlns:p="http://schemas.openxmlformats.org/presentationml/2006/main">
+  <p:cSld>
+    <p:spTree>
+      <p:nvGrpSpPr>
+        <p:cNvPr id="1" name=""/>
+        <p:cNvGrpSpPr/>
+        <p:nvPr/>
+      </p:nvGrpSpPr>
+      <p:grpSpPr>
+        <a:xfrm>
+          <a:off x="0" y="0"/>
+          <a:ext cx="0" cy="0"/>
+          <a:chOff x="0" y="0"/>
+          <a:chExt cx="0" cy="0"/>
+        </a:xfrm>
+      </p:grpSpPr>
+      <p:grpSp>
+        <p:nvGrpSpPr>
+          <p:cNvPr id="42" name="Gruppieren 41">
+            <a:extLst>
+              <a:ext uri="{FF2B5EF4-FFF2-40B4-BE49-F238E27FC236}">
+                <a16:creationId xmlns:a16="http://schemas.microsoft.com/office/drawing/2014/main" id="{1A85D0A4-C529-4C9F-BA7E-C847FC9B2F4D}"/>
+              </a:ext>
+            </a:extLst>
+          </p:cNvPr>
+          <p:cNvGrpSpPr/>
+          <p:nvPr/>
+        </p:nvGrpSpPr>
+        <p:grpSpPr>
+          <a:xfrm>
+            <a:off x="797165" y="873369"/>
+            <a:ext cx="4925294" cy="1594328"/>
+            <a:chOff x="797165" y="873369"/>
+            <a:chExt cx="4925294" cy="1594328"/>
+          </a:xfrm>
+        </p:grpSpPr>
+        <p:sp>
+          <p:nvSpPr>
+            <p:cNvPr id="37" name="Rechteck 36">
+              <a:extLst>
+                <a:ext uri="{FF2B5EF4-FFF2-40B4-BE49-F238E27FC236}">
+                  <a16:creationId xmlns:a16="http://schemas.microsoft.com/office/drawing/2014/main" id="{8B2F21EC-AAC7-4CED-B45A-1F4B2CD89627}"/>
+                </a:ext>
+              </a:extLst>
+            </p:cNvPr>
+            <p:cNvSpPr/>
+            <p:nvPr/>
+          </p:nvSpPr>
+          <p:spPr>
+            <a:xfrm>
+              <a:off x="4044450" y="879219"/>
+              <a:ext cx="1678009" cy="1588478"/>
+            </a:xfrm>
+            <a:prstGeom prst="rect">
+              <a:avLst/>
+            </a:prstGeom>
+            <a:solidFill>
+              <a:schemeClr val="bg1">
+                <a:lumMod val="85000"/>
+              </a:schemeClr>
+            </a:solidFill>
+            <a:ln>
+              <a:noFill/>
+            </a:ln>
+          </p:spPr>
+          <p:style>
+            <a:lnRef idx="2">
+              <a:schemeClr val="accent1">
+                <a:shade val="50000"/>
+              </a:schemeClr>
+            </a:lnRef>
+            <a:fillRef idx="1">
+              <a:schemeClr val="accent1"/>
+            </a:fillRef>
+            <a:effectRef idx="0">
+              <a:schemeClr val="accent1"/>
+            </a:effectRef>
+            <a:fontRef idx="minor">
+              <a:schemeClr val="lt1"/>
+            </a:fontRef>
+          </p:style>
+          <p:txBody>
+            <a:bodyPr rtlCol="0" anchor="ctr"/>
+            <a:lstStyle/>
+            <a:p>
+              <a:pPr algn="ctr"/>
+              <a:endParaRPr lang="de-DE"/>
+            </a:p>
+          </p:txBody>
+        </p:sp>
+        <p:sp>
+          <p:nvSpPr>
+            <p:cNvPr id="38" name="Rechteck 37">
+              <a:extLst>
+                <a:ext uri="{FF2B5EF4-FFF2-40B4-BE49-F238E27FC236}">
+                  <a16:creationId xmlns:a16="http://schemas.microsoft.com/office/drawing/2014/main" id="{6B9EE07F-C859-46CD-9C21-BB4AA8A05422}"/>
+                </a:ext>
+              </a:extLst>
+            </p:cNvPr>
+            <p:cNvSpPr/>
+            <p:nvPr/>
+          </p:nvSpPr>
+          <p:spPr>
+            <a:xfrm>
+              <a:off x="4162447" y="905635"/>
+              <a:ext cx="808170" cy="307777"/>
+            </a:xfrm>
+            <a:prstGeom prst="rect">
+              <a:avLst/>
+            </a:prstGeom>
+          </p:spPr>
+          <p:txBody>
+            <a:bodyPr wrap="none">
+              <a:spAutoFit/>
+            </a:bodyPr>
+            <a:lstStyle/>
+            <a:p>
+              <a:r>
+                <a:rPr lang="de-DE" sz="1400" dirty="0"/>
+                <a:t>Receiver</a:t>
+              </a:r>
+            </a:p>
+          </p:txBody>
+        </p:sp>
+        <p:sp>
+          <p:nvSpPr>
+            <p:cNvPr id="33" name="Rechteck 32">
+              <a:extLst>
+                <a:ext uri="{FF2B5EF4-FFF2-40B4-BE49-F238E27FC236}">
+                  <a16:creationId xmlns:a16="http://schemas.microsoft.com/office/drawing/2014/main" id="{21C6B981-2271-4A73-BD81-83E0D23A5B54}"/>
+                </a:ext>
+              </a:extLst>
+            </p:cNvPr>
+            <p:cNvSpPr/>
+            <p:nvPr/>
+          </p:nvSpPr>
+          <p:spPr>
+            <a:xfrm>
+              <a:off x="797165" y="873369"/>
+              <a:ext cx="1678009" cy="1588478"/>
+            </a:xfrm>
+            <a:prstGeom prst="rect">
+              <a:avLst/>
+            </a:prstGeom>
+            <a:solidFill>
+              <a:schemeClr val="bg1">
+                <a:lumMod val="85000"/>
+              </a:schemeClr>
+            </a:solidFill>
+            <a:ln>
+              <a:noFill/>
+            </a:ln>
+          </p:spPr>
+          <p:style>
+            <a:lnRef idx="2">
+              <a:schemeClr val="accent1">
+                <a:shade val="50000"/>
+              </a:schemeClr>
+            </a:lnRef>
+            <a:fillRef idx="1">
+              <a:schemeClr val="accent1"/>
+            </a:fillRef>
+            <a:effectRef idx="0">
+              <a:schemeClr val="accent1"/>
+            </a:effectRef>
+            <a:fontRef idx="minor">
+              <a:schemeClr val="lt1"/>
+            </a:fontRef>
+          </p:style>
+          <p:txBody>
+            <a:bodyPr rtlCol="0" anchor="ctr"/>
+            <a:lstStyle/>
+            <a:p>
+              <a:pPr algn="ctr"/>
+              <a:endParaRPr lang="de-DE"/>
+            </a:p>
+          </p:txBody>
+        </p:sp>
+        <p:sp>
+          <p:nvSpPr>
+            <p:cNvPr id="14" name="Zylinder 13">
+              <a:extLst>
+                <a:ext uri="{FF2B5EF4-FFF2-40B4-BE49-F238E27FC236}">
+                  <a16:creationId xmlns:a16="http://schemas.microsoft.com/office/drawing/2014/main" id="{E36D57FC-9D98-46FB-A95A-D09390C67189}"/>
+                </a:ext>
+              </a:extLst>
+            </p:cNvPr>
+            <p:cNvSpPr/>
+            <p:nvPr/>
+          </p:nvSpPr>
+          <p:spPr>
+            <a:xfrm rot="16200000">
+              <a:off x="3157443" y="1348339"/>
+              <a:ext cx="257899" cy="761748"/>
+            </a:xfrm>
+            <a:prstGeom prst="can">
+              <a:avLst>
+                <a:gd name="adj" fmla="val 41733"/>
+              </a:avLst>
+            </a:prstGeom>
+            <a:solidFill>
+              <a:schemeClr val="bg1"/>
+            </a:solidFill>
+            <a:ln w="12700">
+              <a:solidFill>
+                <a:schemeClr val="tx1"/>
+              </a:solidFill>
+            </a:ln>
+          </p:spPr>
+          <p:style>
+            <a:lnRef idx="2">
+              <a:schemeClr val="accent1">
+                <a:shade val="50000"/>
+              </a:schemeClr>
+            </a:lnRef>
+            <a:fillRef idx="1">
+              <a:schemeClr val="accent1"/>
+            </a:fillRef>
+            <a:effectRef idx="0">
+              <a:schemeClr val="accent1"/>
+            </a:effectRef>
+            <a:fontRef idx="minor">
+              <a:schemeClr val="lt1"/>
+            </a:fontRef>
+          </p:style>
+          <p:txBody>
+            <a:bodyPr lIns="36000" tIns="18000" rIns="36000" bIns="18000" rtlCol="0" anchor="ctr"/>
+            <a:lstStyle/>
+            <a:p>
+              <a:pPr algn="ctr"/>
+              <a:endParaRPr lang="de-DE" sz="1400" dirty="0">
+                <a:solidFill>
+                  <a:schemeClr val="tx1"/>
+                </a:solidFill>
+              </a:endParaRPr>
+            </a:p>
+          </p:txBody>
+        </p:sp>
+        <p:cxnSp>
+          <p:nvCxnSpPr>
+            <p:cNvPr id="7" name="Gerade Verbindung 10">
+              <a:extLst>
+                <a:ext uri="{FF2B5EF4-FFF2-40B4-BE49-F238E27FC236}">
+                  <a16:creationId xmlns:a16="http://schemas.microsoft.com/office/drawing/2014/main" id="{CB1EFE9A-D77A-41B8-9B71-D658745140D3}"/>
+                </a:ext>
+              </a:extLst>
+            </p:cNvPr>
+            <p:cNvCxnSpPr>
+              <a:cxnSpLocks/>
+            </p:cNvCxnSpPr>
+            <p:nvPr/>
+          </p:nvCxnSpPr>
+          <p:spPr>
+            <a:xfrm>
+              <a:off x="1388048" y="1729214"/>
+              <a:ext cx="1559939" cy="0"/>
+            </a:xfrm>
+            <a:prstGeom prst="line">
+              <a:avLst/>
+            </a:prstGeom>
+          </p:spPr>
+          <p:style>
+            <a:lnRef idx="1">
+              <a:schemeClr val="dk1"/>
+            </a:lnRef>
+            <a:fillRef idx="0">
+              <a:schemeClr val="dk1"/>
+            </a:fillRef>
+            <a:effectRef idx="0">
+              <a:schemeClr val="dk1"/>
+            </a:effectRef>
+            <a:fontRef idx="minor">
+              <a:schemeClr val="tx1"/>
+            </a:fontRef>
+          </p:style>
+        </p:cxnSp>
+        <p:cxnSp>
+          <p:nvCxnSpPr>
+            <p:cNvPr id="8" name="Gerade Verbindung 11">
+              <a:extLst>
+                <a:ext uri="{FF2B5EF4-FFF2-40B4-BE49-F238E27FC236}">
+                  <a16:creationId xmlns:a16="http://schemas.microsoft.com/office/drawing/2014/main" id="{1BAF3786-29BA-42BD-B60D-A7719577727E}"/>
+                </a:ext>
+              </a:extLst>
+            </p:cNvPr>
+            <p:cNvCxnSpPr/>
+            <p:nvPr/>
+          </p:nvCxnSpPr>
+          <p:spPr>
+            <a:xfrm>
+              <a:off x="1388048" y="2089254"/>
+              <a:ext cx="483931" cy="0"/>
+            </a:xfrm>
+            <a:prstGeom prst="line">
+              <a:avLst/>
+            </a:prstGeom>
+          </p:spPr>
+          <p:style>
+            <a:lnRef idx="1">
+              <a:schemeClr val="dk1"/>
+            </a:lnRef>
+            <a:fillRef idx="0">
+              <a:schemeClr val="dk1"/>
+            </a:fillRef>
+            <a:effectRef idx="0">
+              <a:schemeClr val="dk1"/>
+            </a:effectRef>
+            <a:fontRef idx="minor">
+              <a:schemeClr val="tx1"/>
+            </a:fontRef>
+          </p:style>
+        </p:cxnSp>
+        <p:sp>
+          <p:nvSpPr>
+            <p:cNvPr id="9" name="Rechteck 8">
+              <a:extLst>
+                <a:ext uri="{FF2B5EF4-FFF2-40B4-BE49-F238E27FC236}">
+                  <a16:creationId xmlns:a16="http://schemas.microsoft.com/office/drawing/2014/main" id="{81B6A35A-C5F9-4002-BCCF-39260E2AB882}"/>
+                </a:ext>
+              </a:extLst>
+            </p:cNvPr>
+            <p:cNvSpPr/>
+            <p:nvPr/>
+          </p:nvSpPr>
+          <p:spPr>
+            <a:xfrm>
+              <a:off x="1832907" y="1513190"/>
+              <a:ext cx="398630" cy="803575"/>
+            </a:xfrm>
+            <a:prstGeom prst="rect">
+              <a:avLst/>
+            </a:prstGeom>
+            <a:solidFill>
+              <a:schemeClr val="bg1"/>
+            </a:solidFill>
+            <a:ln w="12700">
+              <a:solidFill>
+                <a:schemeClr val="tx1"/>
+              </a:solidFill>
+            </a:ln>
+          </p:spPr>
+          <p:style>
+            <a:lnRef idx="2">
+              <a:schemeClr val="accent1">
+                <a:shade val="50000"/>
+              </a:schemeClr>
+            </a:lnRef>
+            <a:fillRef idx="1">
+              <a:schemeClr val="accent1"/>
+            </a:fillRef>
+            <a:effectRef idx="0">
+              <a:schemeClr val="accent1"/>
+            </a:effectRef>
+            <a:fontRef idx="minor">
+              <a:schemeClr val="lt1"/>
+            </a:fontRef>
+          </p:style>
+          <p:txBody>
+            <a:bodyPr lIns="36000" tIns="18000" rIns="36000" bIns="18000" rtlCol="0" anchor="ctr"/>
+            <a:lstStyle/>
+            <a:p>
+              <a:pPr algn="ctr"/>
+              <a:endParaRPr lang="de-DE" sz="1400" dirty="0">
+                <a:solidFill>
+                  <a:schemeClr val="tx1"/>
+                </a:solidFill>
+              </a:endParaRPr>
+            </a:p>
+          </p:txBody>
+        </p:sp>
+        <p:sp>
+          <p:nvSpPr>
+            <p:cNvPr id="10" name="Gleichschenkliges Dreieck 9">
+              <a:extLst>
+                <a:ext uri="{FF2B5EF4-FFF2-40B4-BE49-F238E27FC236}">
+                  <a16:creationId xmlns:a16="http://schemas.microsoft.com/office/drawing/2014/main" id="{B8F263AA-E9AC-4F4D-B69D-D09FBA02F686}"/>
+                </a:ext>
+              </a:extLst>
+            </p:cNvPr>
+            <p:cNvSpPr/>
+            <p:nvPr/>
+          </p:nvSpPr>
+          <p:spPr>
+            <a:xfrm rot="5400000">
+              <a:off x="1823254" y="2047024"/>
+              <a:ext cx="103766" cy="84460"/>
+            </a:xfrm>
+            <a:prstGeom prst="triangle">
+              <a:avLst/>
+            </a:prstGeom>
+            <a:solidFill>
+              <a:schemeClr val="bg1"/>
+            </a:solidFill>
+            <a:ln w="12700">
+              <a:solidFill>
+                <a:schemeClr val="tx1"/>
+              </a:solidFill>
+            </a:ln>
+          </p:spPr>
+          <p:style>
+            <a:lnRef idx="2">
+              <a:schemeClr val="accent1">
+                <a:shade val="50000"/>
+              </a:schemeClr>
+            </a:lnRef>
+            <a:fillRef idx="1">
+              <a:schemeClr val="accent1"/>
+            </a:fillRef>
+            <a:effectRef idx="0">
+              <a:schemeClr val="accent1"/>
+            </a:effectRef>
+            <a:fontRef idx="minor">
+              <a:schemeClr val="lt1"/>
+            </a:fontRef>
+          </p:style>
+          <p:txBody>
+            <a:bodyPr lIns="36000" tIns="18000" rIns="36000" bIns="18000" rtlCol="0" anchor="ctr"/>
+            <a:lstStyle/>
+            <a:p>
+              <a:pPr algn="ctr"/>
+              <a:endParaRPr lang="de-DE" sz="1400" dirty="0">
+                <a:solidFill>
+                  <a:schemeClr val="tx1"/>
+                </a:solidFill>
+              </a:endParaRPr>
+            </a:p>
+          </p:txBody>
+        </p:sp>
+        <p:sp>
+          <p:nvSpPr>
+            <p:cNvPr id="13" name="Rechteck 12">
+              <a:extLst>
+                <a:ext uri="{FF2B5EF4-FFF2-40B4-BE49-F238E27FC236}">
+                  <a16:creationId xmlns:a16="http://schemas.microsoft.com/office/drawing/2014/main" id="{99A2EE59-7CE8-456F-8FA9-9B6D8EC9C5D2}"/>
+                </a:ext>
+              </a:extLst>
+            </p:cNvPr>
+            <p:cNvSpPr/>
+            <p:nvPr/>
+          </p:nvSpPr>
+          <p:spPr>
+            <a:xfrm>
+              <a:off x="1069767" y="2019289"/>
+              <a:ext cx="612668" cy="307777"/>
+            </a:xfrm>
+            <a:prstGeom prst="rect">
+              <a:avLst/>
+            </a:prstGeom>
+          </p:spPr>
+          <p:txBody>
+            <a:bodyPr wrap="none">
+              <a:spAutoFit/>
+            </a:bodyPr>
+            <a:lstStyle/>
+            <a:p>
+              <a:r>
+                <a:rPr lang="de-DE" sz="1400" dirty="0" err="1"/>
+                <a:t>tx_clk</a:t>
+              </a:r>
+              <a:endParaRPr lang="de-DE" sz="1400" dirty="0"/>
+            </a:p>
+          </p:txBody>
+        </p:sp>
+        <p:sp>
+          <p:nvSpPr>
+            <p:cNvPr id="6" name="Rechteck 5">
+              <a:extLst>
+                <a:ext uri="{FF2B5EF4-FFF2-40B4-BE49-F238E27FC236}">
+                  <a16:creationId xmlns:a16="http://schemas.microsoft.com/office/drawing/2014/main" id="{BDF2723E-73A7-4B0E-8BD0-D4EBFE83EE72}"/>
+                </a:ext>
+              </a:extLst>
+            </p:cNvPr>
+            <p:cNvSpPr/>
+            <p:nvPr/>
+          </p:nvSpPr>
+          <p:spPr>
+            <a:xfrm>
+              <a:off x="946623" y="1654418"/>
+              <a:ext cx="738664" cy="307777"/>
+            </a:xfrm>
+            <a:prstGeom prst="rect">
+              <a:avLst/>
+            </a:prstGeom>
+          </p:spPr>
+          <p:txBody>
+            <a:bodyPr wrap="none">
+              <a:spAutoFit/>
+            </a:bodyPr>
+            <a:lstStyle/>
+            <a:p>
+              <a:r>
+                <a:rPr lang="de-DE" sz="1400" dirty="0" err="1"/>
+                <a:t>tx_data</a:t>
+              </a:r>
+              <a:endParaRPr lang="de-DE" sz="1400" dirty="0"/>
+            </a:p>
+          </p:txBody>
+        </p:sp>
+        <p:sp>
+          <p:nvSpPr>
+            <p:cNvPr id="23" name="Rechteck 22">
+              <a:extLst>
+                <a:ext uri="{FF2B5EF4-FFF2-40B4-BE49-F238E27FC236}">
+                  <a16:creationId xmlns:a16="http://schemas.microsoft.com/office/drawing/2014/main" id="{48EC10B5-E662-4527-806E-38F0C88627B5}"/>
+                </a:ext>
+              </a:extLst>
+            </p:cNvPr>
+            <p:cNvSpPr/>
+            <p:nvPr/>
+          </p:nvSpPr>
+          <p:spPr>
+            <a:xfrm>
+              <a:off x="2860522" y="905635"/>
+              <a:ext cx="782587" cy="307777"/>
+            </a:xfrm>
+            <a:prstGeom prst="rect">
+              <a:avLst/>
+            </a:prstGeom>
+          </p:spPr>
+          <p:txBody>
+            <a:bodyPr wrap="none">
+              <a:spAutoFit/>
+            </a:bodyPr>
+            <a:lstStyle/>
+            <a:p>
+              <a:r>
+                <a:rPr lang="de-DE" sz="1400" dirty="0"/>
+                <a:t>Channel</a:t>
+              </a:r>
+            </a:p>
+          </p:txBody>
+        </p:sp>
+        <p:cxnSp>
+          <p:nvCxnSpPr>
+            <p:cNvPr id="24" name="Gerade Verbindung 10">
+              <a:extLst>
+                <a:ext uri="{FF2B5EF4-FFF2-40B4-BE49-F238E27FC236}">
+                  <a16:creationId xmlns:a16="http://schemas.microsoft.com/office/drawing/2014/main" id="{1A68B9DF-734E-4445-A2C5-4136DD1F6B09}"/>
+                </a:ext>
+              </a:extLst>
+            </p:cNvPr>
+            <p:cNvCxnSpPr>
+              <a:cxnSpLocks/>
+              <a:stCxn id="14" idx="3"/>
+            </p:cNvCxnSpPr>
+            <p:nvPr/>
+          </p:nvCxnSpPr>
+          <p:spPr>
+            <a:xfrm>
+              <a:off x="3667267" y="1729212"/>
+              <a:ext cx="1795687" cy="1"/>
+            </a:xfrm>
+            <a:prstGeom prst="line">
+              <a:avLst/>
+            </a:prstGeom>
+          </p:spPr>
+          <p:style>
+            <a:lnRef idx="1">
+              <a:schemeClr val="dk1"/>
+            </a:lnRef>
+            <a:fillRef idx="0">
+              <a:schemeClr val="dk1"/>
+            </a:fillRef>
+            <a:effectRef idx="0">
+              <a:schemeClr val="dk1"/>
+            </a:effectRef>
+            <a:fontRef idx="minor">
+              <a:schemeClr val="tx1"/>
+            </a:fontRef>
+          </p:style>
+        </p:cxnSp>
+        <p:cxnSp>
+          <p:nvCxnSpPr>
+            <p:cNvPr id="25" name="Gerade Verbindung 11">
+              <a:extLst>
+                <a:ext uri="{FF2B5EF4-FFF2-40B4-BE49-F238E27FC236}">
+                  <a16:creationId xmlns:a16="http://schemas.microsoft.com/office/drawing/2014/main" id="{A60B89B6-588A-4227-B786-362065B42D0C}"/>
+                </a:ext>
+              </a:extLst>
+            </p:cNvPr>
+            <p:cNvCxnSpPr/>
+            <p:nvPr/>
+          </p:nvCxnSpPr>
+          <p:spPr>
+            <a:xfrm>
+              <a:off x="4389164" y="2089248"/>
+              <a:ext cx="483931" cy="0"/>
+            </a:xfrm>
+            <a:prstGeom prst="line">
+              <a:avLst/>
+            </a:prstGeom>
+          </p:spPr>
+          <p:style>
+            <a:lnRef idx="1">
+              <a:schemeClr val="dk1"/>
+            </a:lnRef>
+            <a:fillRef idx="0">
+              <a:schemeClr val="dk1"/>
+            </a:fillRef>
+            <a:effectRef idx="0">
+              <a:schemeClr val="dk1"/>
+            </a:effectRef>
+            <a:fontRef idx="minor">
+              <a:schemeClr val="tx1"/>
+            </a:fontRef>
+          </p:style>
+        </p:cxnSp>
+        <p:sp>
+          <p:nvSpPr>
+            <p:cNvPr id="26" name="Rechteck 25">
+              <a:extLst>
+                <a:ext uri="{FF2B5EF4-FFF2-40B4-BE49-F238E27FC236}">
+                  <a16:creationId xmlns:a16="http://schemas.microsoft.com/office/drawing/2014/main" id="{7E3B1DEB-6F56-4BB7-BC14-D1928BA7E5EF}"/>
+                </a:ext>
+              </a:extLst>
+            </p:cNvPr>
+            <p:cNvSpPr/>
+            <p:nvPr/>
+          </p:nvSpPr>
+          <p:spPr>
+            <a:xfrm>
+              <a:off x="4834023" y="1513184"/>
+              <a:ext cx="398630" cy="803575"/>
+            </a:xfrm>
+            <a:prstGeom prst="rect">
+              <a:avLst/>
+            </a:prstGeom>
+            <a:solidFill>
+              <a:schemeClr val="bg1"/>
+            </a:solidFill>
+            <a:ln w="12700">
+              <a:solidFill>
+                <a:schemeClr val="tx1"/>
+              </a:solidFill>
+            </a:ln>
+          </p:spPr>
+          <p:style>
+            <a:lnRef idx="2">
+              <a:schemeClr val="accent1">
+                <a:shade val="50000"/>
+              </a:schemeClr>
+            </a:lnRef>
+            <a:fillRef idx="1">
+              <a:schemeClr val="accent1"/>
+            </a:fillRef>
+            <a:effectRef idx="0">
+              <a:schemeClr val="accent1"/>
+            </a:effectRef>
+            <a:fontRef idx="minor">
+              <a:schemeClr val="lt1"/>
+            </a:fontRef>
+          </p:style>
+          <p:txBody>
+            <a:bodyPr lIns="36000" tIns="18000" rIns="36000" bIns="18000" rtlCol="0" anchor="ctr"/>
+            <a:lstStyle/>
+            <a:p>
+              <a:pPr algn="ctr"/>
+              <a:endParaRPr lang="de-DE" sz="1400" dirty="0">
+                <a:solidFill>
+                  <a:schemeClr val="tx1"/>
+                </a:solidFill>
+              </a:endParaRPr>
+            </a:p>
+          </p:txBody>
+        </p:sp>
+        <p:sp>
+          <p:nvSpPr>
+            <p:cNvPr id="27" name="Gleichschenkliges Dreieck 26">
+              <a:extLst>
+                <a:ext uri="{FF2B5EF4-FFF2-40B4-BE49-F238E27FC236}">
+                  <a16:creationId xmlns:a16="http://schemas.microsoft.com/office/drawing/2014/main" id="{FF348E7D-69A3-4B2E-947D-843EE1208EEF}"/>
+                </a:ext>
+              </a:extLst>
+            </p:cNvPr>
+            <p:cNvSpPr/>
+            <p:nvPr/>
+          </p:nvSpPr>
+          <p:spPr>
+            <a:xfrm rot="5400000">
+              <a:off x="4824370" y="2047018"/>
+              <a:ext cx="103766" cy="84460"/>
+            </a:xfrm>
+            <a:prstGeom prst="triangle">
+              <a:avLst/>
+            </a:prstGeom>
+            <a:solidFill>
+              <a:schemeClr val="bg1"/>
+            </a:solidFill>
+            <a:ln w="12700">
+              <a:solidFill>
+                <a:schemeClr val="tx1"/>
+              </a:solidFill>
+            </a:ln>
+          </p:spPr>
+          <p:style>
+            <a:lnRef idx="2">
+              <a:schemeClr val="accent1">
+                <a:shade val="50000"/>
+              </a:schemeClr>
+            </a:lnRef>
+            <a:fillRef idx="1">
+              <a:schemeClr val="accent1"/>
+            </a:fillRef>
+            <a:effectRef idx="0">
+              <a:schemeClr val="accent1"/>
+            </a:effectRef>
+            <a:fontRef idx="minor">
+              <a:schemeClr val="lt1"/>
+            </a:fontRef>
+          </p:style>
+          <p:txBody>
+            <a:bodyPr lIns="36000" tIns="18000" rIns="36000" bIns="18000" rtlCol="0" anchor="ctr"/>
+            <a:lstStyle/>
+            <a:p>
+              <a:pPr algn="ctr"/>
+              <a:endParaRPr lang="de-DE" sz="1400" dirty="0">
+                <a:solidFill>
+                  <a:schemeClr val="tx1"/>
+                </a:solidFill>
+              </a:endParaRPr>
+            </a:p>
+          </p:txBody>
+        </p:sp>
+        <p:sp>
+          <p:nvSpPr>
+            <p:cNvPr id="28" name="Rechteck 27">
+              <a:extLst>
+                <a:ext uri="{FF2B5EF4-FFF2-40B4-BE49-F238E27FC236}">
+                  <a16:creationId xmlns:a16="http://schemas.microsoft.com/office/drawing/2014/main" id="{126C357C-D9DF-40EA-B939-AB2BA856CABF}"/>
+                </a:ext>
+              </a:extLst>
+            </p:cNvPr>
+            <p:cNvSpPr/>
+            <p:nvPr/>
+          </p:nvSpPr>
+          <p:spPr>
+            <a:xfrm>
+              <a:off x="4106055" y="2019283"/>
+              <a:ext cx="614271" cy="307777"/>
+            </a:xfrm>
+            <a:prstGeom prst="rect">
+              <a:avLst/>
+            </a:prstGeom>
+          </p:spPr>
+          <p:txBody>
+            <a:bodyPr wrap="none">
+              <a:spAutoFit/>
+            </a:bodyPr>
+            <a:lstStyle/>
+            <a:p>
+              <a:r>
+                <a:rPr lang="de-DE" sz="1400" dirty="0" err="1"/>
+                <a:t>rx_clk</a:t>
+              </a:r>
+              <a:endParaRPr lang="de-DE" sz="1400" dirty="0"/>
+            </a:p>
+          </p:txBody>
+        </p:sp>
+        <p:sp>
+          <p:nvSpPr>
+            <p:cNvPr id="29" name="Rechteck 28">
+              <a:extLst>
+                <a:ext uri="{FF2B5EF4-FFF2-40B4-BE49-F238E27FC236}">
+                  <a16:creationId xmlns:a16="http://schemas.microsoft.com/office/drawing/2014/main" id="{F2984744-2CB4-46EB-AB20-A224DAB439D1}"/>
+                </a:ext>
+              </a:extLst>
+            </p:cNvPr>
+            <p:cNvSpPr/>
+            <p:nvPr/>
+          </p:nvSpPr>
+          <p:spPr>
+            <a:xfrm>
+              <a:off x="4100132" y="1654412"/>
+              <a:ext cx="740267" cy="307777"/>
+            </a:xfrm>
+            <a:prstGeom prst="rect">
+              <a:avLst/>
+            </a:prstGeom>
+          </p:spPr>
+          <p:txBody>
+            <a:bodyPr wrap="none">
+              <a:spAutoFit/>
+            </a:bodyPr>
+            <a:lstStyle/>
+            <a:p>
+              <a:r>
+                <a:rPr lang="de-DE" sz="1400" dirty="0" err="1"/>
+                <a:t>rx_data</a:t>
+              </a:r>
+              <a:endParaRPr lang="de-DE" sz="1400" dirty="0"/>
+            </a:p>
+          </p:txBody>
+        </p:sp>
+        <p:sp>
+          <p:nvSpPr>
+            <p:cNvPr id="35" name="Rechteck 34">
+              <a:extLst>
+                <a:ext uri="{FF2B5EF4-FFF2-40B4-BE49-F238E27FC236}">
+                  <a16:creationId xmlns:a16="http://schemas.microsoft.com/office/drawing/2014/main" id="{8D6BF706-0E0E-44C7-98B2-4FCBBF7BD8DA}"/>
+                </a:ext>
+              </a:extLst>
+            </p:cNvPr>
+            <p:cNvSpPr/>
+            <p:nvPr/>
+          </p:nvSpPr>
+          <p:spPr>
+            <a:xfrm>
+              <a:off x="915162" y="905635"/>
+              <a:ext cx="1026178" cy="307777"/>
+            </a:xfrm>
+            <a:prstGeom prst="rect">
+              <a:avLst/>
+            </a:prstGeom>
+          </p:spPr>
+          <p:txBody>
+            <a:bodyPr wrap="none">
+              <a:spAutoFit/>
+            </a:bodyPr>
+            <a:lstStyle/>
+            <a:p>
+              <a:r>
+                <a:rPr lang="de-DE" sz="1400" dirty="0"/>
+                <a:t>Transmitter</a:t>
+              </a:r>
+            </a:p>
+          </p:txBody>
+        </p:sp>
+      </p:grpSp>
+    </p:spTree>
+    <p:extLst>
+      <p:ext uri="{BB962C8B-B14F-4D97-AF65-F5344CB8AC3E}">
+        <p14:creationId xmlns:p14="http://schemas.microsoft.com/office/powerpoint/2010/main" val="2349099169"/>
+      </p:ext>
+    </p:extLst>
+  </p:cSld>
+  <p:clrMapOvr>
+    <a:masterClrMapping/>
+  </p:clrMapOvr>
+</p:sld>
+</file>
+
 <file path=ppt/theme/theme1.xml><?xml version="1.0" encoding="utf-8"?>
 <a:theme xmlns:a="http://schemas.openxmlformats.org/drawingml/2006/main" name="Office">
   <a:themeElements>

--- a/images/images.pptx
+++ b/images/images.pptx
@@ -9,6 +9,7 @@
     <p:sldId id="261" r:id="rId3"/>
     <p:sldId id="258" r:id="rId4"/>
     <p:sldId id="262" r:id="rId5"/>
+    <p:sldId id="263" r:id="rId6"/>
   </p:sldIdLst>
   <p:sldSz cx="12192000" cy="6858000"/>
   <p:notesSz cx="6858000" cy="9144000"/>
@@ -4794,6 +4795,341 @@
 </p:sld>
 </file>
 
+<file path=ppt/slides/slide5.xml><?xml version="1.0" encoding="utf-8"?>
+<p:sld xmlns:a="http://schemas.openxmlformats.org/drawingml/2006/main" xmlns:r="http://schemas.openxmlformats.org/officeDocument/2006/relationships" xmlns:p="http://schemas.openxmlformats.org/presentationml/2006/main">
+  <p:cSld>
+    <p:spTree>
+      <p:nvGrpSpPr>
+        <p:cNvPr id="1" name=""/>
+        <p:cNvGrpSpPr/>
+        <p:nvPr/>
+      </p:nvGrpSpPr>
+      <p:grpSpPr>
+        <a:xfrm>
+          <a:off x="0" y="0"/>
+          <a:ext cx="0" cy="0"/>
+          <a:chOff x="0" y="0"/>
+          <a:chExt cx="0" cy="0"/>
+        </a:xfrm>
+      </p:grpSpPr>
+      <p:grpSp>
+        <p:nvGrpSpPr>
+          <p:cNvPr id="12" name="Gruppieren 11">
+            <a:extLst>
+              <a:ext uri="{FF2B5EF4-FFF2-40B4-BE49-F238E27FC236}">
+                <a16:creationId xmlns:a16="http://schemas.microsoft.com/office/drawing/2014/main" id="{C2F13A5A-D3F3-4515-8338-9BDFA1D1DA37}"/>
+              </a:ext>
+            </a:extLst>
+          </p:cNvPr>
+          <p:cNvGrpSpPr/>
+          <p:nvPr/>
+        </p:nvGrpSpPr>
+        <p:grpSpPr>
+          <a:xfrm>
+            <a:off x="2450263" y="1913258"/>
+            <a:ext cx="7750377" cy="2916850"/>
+            <a:chOff x="2450263" y="1913258"/>
+            <a:chExt cx="7750377" cy="2916850"/>
+          </a:xfrm>
+        </p:grpSpPr>
+        <p:pic>
+          <p:nvPicPr>
+            <p:cNvPr id="5" name="Grafik 4">
+              <a:extLst>
+                <a:ext uri="{FF2B5EF4-FFF2-40B4-BE49-F238E27FC236}">
+                  <a16:creationId xmlns:a16="http://schemas.microsoft.com/office/drawing/2014/main" id="{8860EEFE-3995-435F-ADF5-5EAED990EE35}"/>
+                </a:ext>
+              </a:extLst>
+            </p:cNvPr>
+            <p:cNvPicPr>
+              <a:picLocks noChangeAspect="1"/>
+            </p:cNvPicPr>
+            <p:nvPr/>
+          </p:nvPicPr>
+          <p:blipFill rotWithShape="1">
+            <a:blip r:embed="rId2"/>
+            <a:srcRect l="42799" t="36550" r="11010" b="30667"/>
+            <a:stretch/>
+          </p:blipFill>
+          <p:spPr>
+            <a:xfrm>
+              <a:off x="4856480" y="2304891"/>
+              <a:ext cx="5344160" cy="2248218"/>
+            </a:xfrm>
+            <a:prstGeom prst="rect">
+              <a:avLst/>
+            </a:prstGeom>
+          </p:spPr>
+        </p:pic>
+        <p:pic>
+          <p:nvPicPr>
+            <p:cNvPr id="7" name="Grafik 6">
+              <a:extLst>
+                <a:ext uri="{FF2B5EF4-FFF2-40B4-BE49-F238E27FC236}">
+                  <a16:creationId xmlns:a16="http://schemas.microsoft.com/office/drawing/2014/main" id="{A4A59891-B1D5-44A0-A15E-1C3E6D8BD709}"/>
+                </a:ext>
+              </a:extLst>
+            </p:cNvPr>
+            <p:cNvPicPr>
+              <a:picLocks noChangeAspect="1"/>
+            </p:cNvPicPr>
+            <p:nvPr/>
+          </p:nvPicPr>
+          <p:blipFill rotWithShape="1">
+            <a:blip r:embed="rId3"/>
+            <a:srcRect l="66684" t="45185" r="9254" b="17334"/>
+            <a:stretch/>
+          </p:blipFill>
+          <p:spPr>
+            <a:xfrm>
+              <a:off x="2511224" y="2387600"/>
+              <a:ext cx="2345255" cy="2165509"/>
+            </a:xfrm>
+            <a:prstGeom prst="rect">
+              <a:avLst/>
+            </a:prstGeom>
+          </p:spPr>
+        </p:pic>
+        <p:sp>
+          <p:nvSpPr>
+            <p:cNvPr id="8" name="Rechteck 7">
+              <a:extLst>
+                <a:ext uri="{FF2B5EF4-FFF2-40B4-BE49-F238E27FC236}">
+                  <a16:creationId xmlns:a16="http://schemas.microsoft.com/office/drawing/2014/main" id="{68399363-600F-40CF-92DB-6DA0CA9F5546}"/>
+                </a:ext>
+              </a:extLst>
+            </p:cNvPr>
+            <p:cNvSpPr/>
+            <p:nvPr/>
+          </p:nvSpPr>
+          <p:spPr>
+            <a:xfrm>
+              <a:off x="2450263" y="1913258"/>
+              <a:ext cx="2345255" cy="523220"/>
+            </a:xfrm>
+            <a:prstGeom prst="rect">
+              <a:avLst/>
+            </a:prstGeom>
+          </p:spPr>
+          <p:txBody>
+            <a:bodyPr wrap="square">
+              <a:spAutoFit/>
+            </a:bodyPr>
+            <a:lstStyle/>
+            <a:p>
+              <a:pPr algn="ctr"/>
+              <a:r>
+                <a:rPr lang="de-DE" sz="1400" dirty="0"/>
+                <a:t>GTP </a:t>
+              </a:r>
+              <a:r>
+                <a:rPr lang="de-DE" sz="1400" dirty="0" err="1"/>
+                <a:t>receive</a:t>
+              </a:r>
+              <a:r>
+                <a:rPr lang="de-DE" sz="1400" dirty="0"/>
+                <a:t> CDR </a:t>
+              </a:r>
+              <a:r>
+                <a:rPr lang="de-DE" sz="1400" dirty="0" err="1"/>
+                <a:t>with</a:t>
+              </a:r>
+              <a:r>
+                <a:rPr lang="de-DE" sz="1400" dirty="0"/>
+                <a:t> additional </a:t>
+              </a:r>
+              <a:r>
+                <a:rPr lang="de-DE" sz="1400" b="1" dirty="0"/>
+                <a:t>Offset Sampler</a:t>
+              </a:r>
+            </a:p>
+          </p:txBody>
+        </p:sp>
+        <p:sp>
+          <p:nvSpPr>
+            <p:cNvPr id="9" name="Rechteck 8">
+              <a:extLst>
+                <a:ext uri="{FF2B5EF4-FFF2-40B4-BE49-F238E27FC236}">
+                  <a16:creationId xmlns:a16="http://schemas.microsoft.com/office/drawing/2014/main" id="{950FB6C0-7B28-4E99-AD7B-4D3EF7EC9CE6}"/>
+                </a:ext>
+              </a:extLst>
+            </p:cNvPr>
+            <p:cNvSpPr/>
+            <p:nvPr/>
+          </p:nvSpPr>
+          <p:spPr>
+            <a:xfrm>
+              <a:off x="4876473" y="1913258"/>
+              <a:ext cx="2255847" cy="523220"/>
+            </a:xfrm>
+            <a:prstGeom prst="rect">
+              <a:avLst/>
+            </a:prstGeom>
+          </p:spPr>
+          <p:txBody>
+            <a:bodyPr wrap="square">
+              <a:spAutoFit/>
+            </a:bodyPr>
+            <a:lstStyle/>
+            <a:p>
+              <a:pPr algn="ctr"/>
+              <a:r>
+                <a:rPr lang="de-DE" sz="1400" dirty="0" err="1"/>
+                <a:t>the</a:t>
+              </a:r>
+              <a:r>
+                <a:rPr lang="de-DE" sz="1400" dirty="0"/>
+                <a:t> Offset Sampler </a:t>
+              </a:r>
+              <a:r>
+                <a:rPr lang="de-DE" sz="1400" dirty="0" err="1"/>
+                <a:t>can</a:t>
+              </a:r>
+              <a:r>
+                <a:rPr lang="de-DE" sz="1400" dirty="0"/>
+                <a:t> </a:t>
+              </a:r>
+              <a:r>
+                <a:rPr lang="de-DE" sz="1400" dirty="0" err="1"/>
+                <a:t>move</a:t>
+              </a:r>
+              <a:r>
+                <a:rPr lang="de-DE" sz="1400" dirty="0"/>
+                <a:t> </a:t>
+              </a:r>
+              <a:r>
+                <a:rPr lang="de-DE" sz="1400" dirty="0" err="1"/>
+                <a:t>independently</a:t>
+              </a:r>
+              <a:endParaRPr lang="de-DE" sz="1400" dirty="0"/>
+            </a:p>
+          </p:txBody>
+        </p:sp>
+        <p:sp>
+          <p:nvSpPr>
+            <p:cNvPr id="10" name="Rechteck 9">
+              <a:extLst>
+                <a:ext uri="{FF2B5EF4-FFF2-40B4-BE49-F238E27FC236}">
+                  <a16:creationId xmlns:a16="http://schemas.microsoft.com/office/drawing/2014/main" id="{2A845059-4EFA-4971-B728-318F42BB5293}"/>
+                </a:ext>
+              </a:extLst>
+            </p:cNvPr>
+            <p:cNvSpPr/>
+            <p:nvPr/>
+          </p:nvSpPr>
+          <p:spPr>
+            <a:xfrm>
+              <a:off x="7424764" y="1913258"/>
+              <a:ext cx="2255847" cy="523220"/>
+            </a:xfrm>
+            <a:prstGeom prst="rect">
+              <a:avLst/>
+            </a:prstGeom>
+          </p:spPr>
+          <p:txBody>
+            <a:bodyPr wrap="square">
+              <a:spAutoFit/>
+            </a:bodyPr>
+            <a:lstStyle/>
+            <a:p>
+              <a:pPr algn="ctr"/>
+              <a:r>
+                <a:rPr lang="de-DE" sz="1400" dirty="0" err="1"/>
+                <a:t>statistically</a:t>
+              </a:r>
+              <a:r>
+                <a:rPr lang="de-DE" sz="1400" dirty="0"/>
+                <a:t> </a:t>
+              </a:r>
+              <a:r>
+                <a:rPr lang="de-DE" sz="1400" dirty="0" err="1"/>
+                <a:t>reconstructed</a:t>
+              </a:r>
+              <a:r>
+                <a:rPr lang="de-DE" sz="1400" dirty="0"/>
+                <a:t> </a:t>
+              </a:r>
+              <a:r>
+                <a:rPr lang="de-DE" sz="1400" dirty="0" err="1"/>
+                <a:t>eye</a:t>
+              </a:r>
+              <a:r>
+                <a:rPr lang="de-DE" sz="1400" dirty="0"/>
+                <a:t> </a:t>
+              </a:r>
+              <a:r>
+                <a:rPr lang="de-DE" sz="1400" dirty="0" err="1"/>
+                <a:t>diagramm</a:t>
+              </a:r>
+              <a:endParaRPr lang="de-DE" sz="1400" dirty="0"/>
+            </a:p>
+          </p:txBody>
+        </p:sp>
+        <p:sp>
+          <p:nvSpPr>
+            <p:cNvPr id="11" name="Textfeld 10">
+              <a:extLst>
+                <a:ext uri="{FF2B5EF4-FFF2-40B4-BE49-F238E27FC236}">
+                  <a16:creationId xmlns:a16="http://schemas.microsoft.com/office/drawing/2014/main" id="{114714BE-FC96-43EB-B529-19B378543975}"/>
+                </a:ext>
+              </a:extLst>
+            </p:cNvPr>
+            <p:cNvSpPr txBox="1"/>
+            <p:nvPr/>
+          </p:nvSpPr>
+          <p:spPr>
+            <a:xfrm>
+              <a:off x="7838198" y="4553109"/>
+              <a:ext cx="2362442" cy="276999"/>
+            </a:xfrm>
+            <a:prstGeom prst="rect">
+              <a:avLst/>
+            </a:prstGeom>
+            <a:noFill/>
+          </p:spPr>
+          <p:txBody>
+            <a:bodyPr wrap="none" rtlCol="0">
+              <a:spAutoFit/>
+            </a:bodyPr>
+            <a:lstStyle/>
+            <a:p>
+              <a:r>
+                <a:rPr lang="de-DE" sz="1200" dirty="0"/>
+                <a:t>Source: XILINX </a:t>
+              </a:r>
+              <a:r>
+                <a:rPr lang="de-DE" sz="1200" dirty="0" err="1"/>
+                <a:t>white</a:t>
+              </a:r>
+              <a:r>
+                <a:rPr lang="de-DE" sz="1200" dirty="0"/>
+                <a:t> </a:t>
+              </a:r>
+              <a:r>
+                <a:rPr lang="de-DE" sz="1200" dirty="0" err="1"/>
+                <a:t>paper</a:t>
+              </a:r>
+              <a:r>
+                <a:rPr lang="de-DE" sz="1200" dirty="0"/>
+                <a:t> WP428</a:t>
+              </a:r>
+            </a:p>
+          </p:txBody>
+        </p:sp>
+      </p:grpSp>
+    </p:spTree>
+    <p:extLst>
+      <p:ext uri="{BB962C8B-B14F-4D97-AF65-F5344CB8AC3E}">
+        <p14:creationId xmlns:p14="http://schemas.microsoft.com/office/powerpoint/2010/main" val="676187281"/>
+      </p:ext>
+    </p:extLst>
+  </p:cSld>
+  <p:clrMapOvr>
+    <a:masterClrMapping/>
+  </p:clrMapOvr>
+</p:sld>
+</file>
+
 <file path=ppt/theme/theme1.xml><?xml version="1.0" encoding="utf-8"?>
 <a:theme xmlns:a="http://schemas.openxmlformats.org/drawingml/2006/main" name="Office">
   <a:themeElements>

--- a/images/images.pptx
+++ b/images/images.pptx
@@ -4826,10 +4826,10 @@
         </p:nvGrpSpPr>
         <p:grpSpPr>
           <a:xfrm>
-            <a:off x="2450263" y="1913258"/>
-            <a:ext cx="7750377" cy="2916850"/>
-            <a:chOff x="2450263" y="1913258"/>
-            <a:chExt cx="7750377" cy="2916850"/>
+            <a:off x="2450263" y="1937642"/>
+            <a:ext cx="7750377" cy="2852090"/>
+            <a:chOff x="2450263" y="1937642"/>
+            <a:chExt cx="7750377" cy="2852090"/>
           </a:xfrm>
         </p:grpSpPr>
         <p:pic>
@@ -4904,8 +4904,8 @@
           </p:nvSpPr>
           <p:spPr>
             <a:xfrm>
-              <a:off x="2450263" y="1913258"/>
-              <a:ext cx="2345255" cy="523220"/>
+              <a:off x="2450263" y="1937642"/>
+              <a:ext cx="2345255" cy="461665"/>
             </a:xfrm>
             <a:prstGeom prst="rect">
               <a:avLst/>
@@ -4919,27 +4919,27 @@
             <a:p>
               <a:pPr algn="ctr"/>
               <a:r>
-                <a:rPr lang="de-DE" sz="1400" dirty="0"/>
+                <a:rPr lang="de-DE" sz="1200" dirty="0"/>
                 <a:t>GTP </a:t>
               </a:r>
               <a:r>
-                <a:rPr lang="de-DE" sz="1400" dirty="0" err="1"/>
+                <a:rPr lang="de-DE" sz="1200" dirty="0" err="1"/>
                 <a:t>receive</a:t>
               </a:r>
               <a:r>
-                <a:rPr lang="de-DE" sz="1400" dirty="0"/>
+                <a:rPr lang="de-DE" sz="1200" dirty="0"/>
                 <a:t> CDR </a:t>
               </a:r>
               <a:r>
-                <a:rPr lang="de-DE" sz="1400" dirty="0" err="1"/>
+                <a:rPr lang="de-DE" sz="1200" dirty="0" err="1"/>
                 <a:t>with</a:t>
               </a:r>
               <a:r>
-                <a:rPr lang="de-DE" sz="1400" dirty="0"/>
+                <a:rPr lang="de-DE" sz="1200" dirty="0"/>
                 <a:t> additional </a:t>
               </a:r>
               <a:r>
-                <a:rPr lang="de-DE" sz="1400" b="1" dirty="0"/>
+                <a:rPr lang="de-DE" sz="1200" b="1" dirty="0"/>
                 <a:t>Offset Sampler</a:t>
               </a:r>
             </a:p>
@@ -4959,8 +4959,8 @@
           </p:nvSpPr>
           <p:spPr>
             <a:xfrm>
-              <a:off x="4876473" y="1913258"/>
-              <a:ext cx="2255847" cy="523220"/>
+              <a:off x="4876473" y="1937642"/>
+              <a:ext cx="2255847" cy="461665"/>
             </a:xfrm>
             <a:prstGeom prst="rect">
               <a:avLst/>
@@ -4974,34 +4974,34 @@
             <a:p>
               <a:pPr algn="ctr"/>
               <a:r>
-                <a:rPr lang="de-DE" sz="1400" dirty="0" err="1"/>
+                <a:rPr lang="de-DE" sz="1200" dirty="0" err="1"/>
                 <a:t>the</a:t>
               </a:r>
               <a:r>
-                <a:rPr lang="de-DE" sz="1400" dirty="0"/>
+                <a:rPr lang="de-DE" sz="1200" dirty="0"/>
                 <a:t> Offset Sampler </a:t>
               </a:r>
               <a:r>
-                <a:rPr lang="de-DE" sz="1400" dirty="0" err="1"/>
+                <a:rPr lang="de-DE" sz="1200" dirty="0" err="1"/>
                 <a:t>can</a:t>
               </a:r>
               <a:r>
-                <a:rPr lang="de-DE" sz="1400" dirty="0"/>
+                <a:rPr lang="de-DE" sz="1200" dirty="0"/>
                 <a:t> </a:t>
               </a:r>
               <a:r>
-                <a:rPr lang="de-DE" sz="1400" dirty="0" err="1"/>
+                <a:rPr lang="de-DE" sz="1200" dirty="0" err="1"/>
                 <a:t>move</a:t>
               </a:r>
               <a:r>
-                <a:rPr lang="de-DE" sz="1400" dirty="0"/>
+                <a:rPr lang="de-DE" sz="1200" dirty="0"/>
                 <a:t> </a:t>
               </a:r>
               <a:r>
-                <a:rPr lang="de-DE" sz="1400" dirty="0" err="1"/>
+                <a:rPr lang="de-DE" sz="1200" dirty="0" err="1"/>
                 <a:t>independently</a:t>
               </a:r>
-              <a:endParaRPr lang="de-DE" sz="1400" dirty="0"/>
+              <a:endParaRPr lang="de-DE" sz="1200" dirty="0"/>
             </a:p>
           </p:txBody>
         </p:sp>
@@ -5019,8 +5019,8 @@
           </p:nvSpPr>
           <p:spPr>
             <a:xfrm>
-              <a:off x="7424764" y="1913258"/>
-              <a:ext cx="2255847" cy="523220"/>
+              <a:off x="7424764" y="1937642"/>
+              <a:ext cx="2255847" cy="461665"/>
             </a:xfrm>
             <a:prstGeom prst="rect">
               <a:avLst/>
@@ -5034,34 +5034,34 @@
             <a:p>
               <a:pPr algn="ctr"/>
               <a:r>
-                <a:rPr lang="de-DE" sz="1400" dirty="0" err="1"/>
+                <a:rPr lang="de-DE" sz="1200" dirty="0" err="1"/>
                 <a:t>statistically</a:t>
               </a:r>
               <a:r>
-                <a:rPr lang="de-DE" sz="1400" dirty="0"/>
+                <a:rPr lang="de-DE" sz="1200" dirty="0"/>
                 <a:t> </a:t>
               </a:r>
               <a:r>
-                <a:rPr lang="de-DE" sz="1400" dirty="0" err="1"/>
+                <a:rPr lang="de-DE" sz="1200" dirty="0" err="1"/>
                 <a:t>reconstructed</a:t>
               </a:r>
               <a:r>
-                <a:rPr lang="de-DE" sz="1400" dirty="0"/>
+                <a:rPr lang="de-DE" sz="1200" dirty="0"/>
                 <a:t> </a:t>
               </a:r>
               <a:r>
-                <a:rPr lang="de-DE" sz="1400" dirty="0" err="1"/>
+                <a:rPr lang="de-DE" sz="1200" dirty="0" err="1"/>
                 <a:t>eye</a:t>
               </a:r>
               <a:r>
-                <a:rPr lang="de-DE" sz="1400" dirty="0"/>
+                <a:rPr lang="de-DE" sz="1200" dirty="0"/>
                 <a:t> </a:t>
               </a:r>
               <a:r>
-                <a:rPr lang="de-DE" sz="1400" dirty="0" err="1"/>
+                <a:rPr lang="de-DE" sz="1200" dirty="0" err="1"/>
                 <a:t>diagramm</a:t>
               </a:r>
-              <a:endParaRPr lang="de-DE" sz="1400" dirty="0"/>
+              <a:endParaRPr lang="de-DE" sz="1200" dirty="0"/>
             </a:p>
           </p:txBody>
         </p:sp>
@@ -5079,8 +5079,8 @@
           </p:nvSpPr>
           <p:spPr>
             <a:xfrm>
-              <a:off x="7838198" y="4553109"/>
-              <a:ext cx="2362442" cy="276999"/>
+              <a:off x="7935734" y="4528122"/>
+              <a:ext cx="2183611" cy="261610"/>
             </a:xfrm>
             <a:prstGeom prst="rect">
               <a:avLst/>
@@ -5094,23 +5094,23 @@
             <a:lstStyle/>
             <a:p>
               <a:r>
-                <a:rPr lang="de-DE" sz="1200" dirty="0"/>
+                <a:rPr lang="de-DE" sz="1100" dirty="0"/>
                 <a:t>Source: XILINX </a:t>
               </a:r>
               <a:r>
-                <a:rPr lang="de-DE" sz="1200" dirty="0" err="1"/>
+                <a:rPr lang="de-DE" sz="1100" dirty="0" err="1"/>
                 <a:t>white</a:t>
               </a:r>
               <a:r>
-                <a:rPr lang="de-DE" sz="1200" dirty="0"/>
+                <a:rPr lang="de-DE" sz="1100" dirty="0"/>
                 <a:t> </a:t>
               </a:r>
               <a:r>
-                <a:rPr lang="de-DE" sz="1200" dirty="0" err="1"/>
+                <a:rPr lang="de-DE" sz="1100" dirty="0" err="1"/>
                 <a:t>paper</a:t>
               </a:r>
               <a:r>
-                <a:rPr lang="de-DE" sz="1200" dirty="0"/>
+                <a:rPr lang="de-DE" sz="1100" dirty="0"/>
                 <a:t> WP428</a:t>
               </a:r>
             </a:p>

--- a/images/images.pptx
+++ b/images/images.pptx
@@ -9,7 +9,8 @@
     <p:sldId id="261" r:id="rId3"/>
     <p:sldId id="258" r:id="rId4"/>
     <p:sldId id="262" r:id="rId5"/>
-    <p:sldId id="263" r:id="rId6"/>
+    <p:sldId id="264" r:id="rId6"/>
+    <p:sldId id="263" r:id="rId7"/>
   </p:sldIdLst>
   <p:sldSz cx="12192000" cy="6858000"/>
   <p:notesSz cx="6858000" cy="9144000"/>
@@ -289,7 +290,7 @@
           <a:p>
             <a:fld id="{79B32930-E64A-4C15-BE82-E9B63F26C808}" type="datetimeFigureOut">
               <a:rPr lang="de-DE" smtClean="0"/>
-              <a:t>03.04.2021</a:t>
+              <a:t>13.04.2021</a:t>
             </a:fld>
             <a:endParaRPr lang="de-DE"/>
           </a:p>
@@ -487,7 +488,7 @@
           <a:p>
             <a:fld id="{79B32930-E64A-4C15-BE82-E9B63F26C808}" type="datetimeFigureOut">
               <a:rPr lang="de-DE" smtClean="0"/>
-              <a:t>03.04.2021</a:t>
+              <a:t>13.04.2021</a:t>
             </a:fld>
             <a:endParaRPr lang="de-DE"/>
           </a:p>
@@ -695,7 +696,7 @@
           <a:p>
             <a:fld id="{79B32930-E64A-4C15-BE82-E9B63F26C808}" type="datetimeFigureOut">
               <a:rPr lang="de-DE" smtClean="0"/>
-              <a:t>03.04.2021</a:t>
+              <a:t>13.04.2021</a:t>
             </a:fld>
             <a:endParaRPr lang="de-DE"/>
           </a:p>
@@ -893,7 +894,7 @@
           <a:p>
             <a:fld id="{79B32930-E64A-4C15-BE82-E9B63F26C808}" type="datetimeFigureOut">
               <a:rPr lang="de-DE" smtClean="0"/>
-              <a:t>03.04.2021</a:t>
+              <a:t>13.04.2021</a:t>
             </a:fld>
             <a:endParaRPr lang="de-DE"/>
           </a:p>
@@ -1168,7 +1169,7 @@
           <a:p>
             <a:fld id="{79B32930-E64A-4C15-BE82-E9B63F26C808}" type="datetimeFigureOut">
               <a:rPr lang="de-DE" smtClean="0"/>
-              <a:t>03.04.2021</a:t>
+              <a:t>13.04.2021</a:t>
             </a:fld>
             <a:endParaRPr lang="de-DE"/>
           </a:p>
@@ -1433,7 +1434,7 @@
           <a:p>
             <a:fld id="{79B32930-E64A-4C15-BE82-E9B63F26C808}" type="datetimeFigureOut">
               <a:rPr lang="de-DE" smtClean="0"/>
-              <a:t>03.04.2021</a:t>
+              <a:t>13.04.2021</a:t>
             </a:fld>
             <a:endParaRPr lang="de-DE"/>
           </a:p>
@@ -1845,7 +1846,7 @@
           <a:p>
             <a:fld id="{79B32930-E64A-4C15-BE82-E9B63F26C808}" type="datetimeFigureOut">
               <a:rPr lang="de-DE" smtClean="0"/>
-              <a:t>03.04.2021</a:t>
+              <a:t>13.04.2021</a:t>
             </a:fld>
             <a:endParaRPr lang="de-DE"/>
           </a:p>
@@ -1986,7 +1987,7 @@
           <a:p>
             <a:fld id="{79B32930-E64A-4C15-BE82-E9B63F26C808}" type="datetimeFigureOut">
               <a:rPr lang="de-DE" smtClean="0"/>
-              <a:t>03.04.2021</a:t>
+              <a:t>13.04.2021</a:t>
             </a:fld>
             <a:endParaRPr lang="de-DE"/>
           </a:p>
@@ -2099,7 +2100,7 @@
           <a:p>
             <a:fld id="{79B32930-E64A-4C15-BE82-E9B63F26C808}" type="datetimeFigureOut">
               <a:rPr lang="de-DE" smtClean="0"/>
-              <a:t>03.04.2021</a:t>
+              <a:t>13.04.2021</a:t>
             </a:fld>
             <a:endParaRPr lang="de-DE"/>
           </a:p>
@@ -2410,7 +2411,7 @@
           <a:p>
             <a:fld id="{79B32930-E64A-4C15-BE82-E9B63F26C808}" type="datetimeFigureOut">
               <a:rPr lang="de-DE" smtClean="0"/>
-              <a:t>03.04.2021</a:t>
+              <a:t>13.04.2021</a:t>
             </a:fld>
             <a:endParaRPr lang="de-DE"/>
           </a:p>
@@ -2698,7 +2699,7 @@
           <a:p>
             <a:fld id="{79B32930-E64A-4C15-BE82-E9B63F26C808}" type="datetimeFigureOut">
               <a:rPr lang="de-DE" smtClean="0"/>
-              <a:t>03.04.2021</a:t>
+              <a:t>13.04.2021</a:t>
             </a:fld>
             <a:endParaRPr lang="de-DE"/>
           </a:p>
@@ -2939,7 +2940,7 @@
           <a:p>
             <a:fld id="{79B32930-E64A-4C15-BE82-E9B63F26C808}" type="datetimeFigureOut">
               <a:rPr lang="de-DE" smtClean="0"/>
-              <a:t>03.04.2021</a:t>
+              <a:t>13.04.2021</a:t>
             </a:fld>
             <a:endParaRPr lang="de-DE"/>
           </a:p>
@@ -4814,6 +4815,152 @@
       </p:grpSpPr>
       <p:grpSp>
         <p:nvGrpSpPr>
+          <p:cNvPr id="6" name="Gruppieren 5">
+            <a:extLst>
+              <a:ext uri="{FF2B5EF4-FFF2-40B4-BE49-F238E27FC236}">
+                <a16:creationId xmlns:a16="http://schemas.microsoft.com/office/drawing/2014/main" id="{591082FE-1D6F-43DB-8D9C-1EC83C3DA9C9}"/>
+              </a:ext>
+            </a:extLst>
+          </p:cNvPr>
+          <p:cNvGrpSpPr/>
+          <p:nvPr/>
+        </p:nvGrpSpPr>
+        <p:grpSpPr>
+          <a:xfrm>
+            <a:off x="539552" y="1602656"/>
+            <a:ext cx="8136904" cy="3986583"/>
+            <a:chOff x="539552" y="1602656"/>
+            <a:chExt cx="8136904" cy="3986583"/>
+          </a:xfrm>
+        </p:grpSpPr>
+        <p:pic>
+          <p:nvPicPr>
+            <p:cNvPr id="4" name="Grafik 3">
+              <a:extLst>
+                <a:ext uri="{FF2B5EF4-FFF2-40B4-BE49-F238E27FC236}">
+                  <a16:creationId xmlns:a16="http://schemas.microsoft.com/office/drawing/2014/main" id="{683BF534-7B73-4BA5-8759-9EC37DD322F8}"/>
+                </a:ext>
+              </a:extLst>
+            </p:cNvPr>
+            <p:cNvPicPr/>
+            <p:nvPr/>
+          </p:nvPicPr>
+          <p:blipFill rotWithShape="1">
+            <a:blip r:embed="rId2" cstate="print">
+              <a:clrChange>
+                <a:clrFrom>
+                  <a:srgbClr val="E4DEDA"/>
+                </a:clrFrom>
+                <a:clrTo>
+                  <a:srgbClr val="E4DEDA">
+                    <a:alpha val="0"/>
+                  </a:srgbClr>
+                </a:clrTo>
+              </a:clrChange>
+              <a:extLst>
+                <a:ext uri="{28A0092B-C50C-407E-A947-70E740481C1C}">
+                  <a14:useLocalDpi xmlns:a14="http://schemas.microsoft.com/office/drawing/2010/main" val="0"/>
+                </a:ext>
+              </a:extLst>
+            </a:blip>
+            <a:srcRect/>
+            <a:stretch/>
+          </p:blipFill>
+          <p:spPr bwMode="auto">
+            <a:xfrm>
+              <a:off x="539552" y="1602656"/>
+              <a:ext cx="8136904" cy="3986583"/>
+            </a:xfrm>
+            <a:prstGeom prst="rect">
+              <a:avLst/>
+            </a:prstGeom>
+            <a:ln>
+              <a:noFill/>
+            </a:ln>
+            <a:extLst>
+              <a:ext uri="{53640926-AAD7-44D8-BBD7-CCE9431645EC}">
+                <a14:shadowObscured xmlns:a14="http://schemas.microsoft.com/office/drawing/2010/main"/>
+              </a:ext>
+            </a:extLst>
+          </p:spPr>
+        </p:pic>
+        <p:sp>
+          <p:nvSpPr>
+            <p:cNvPr id="5" name="Textfeld 4">
+              <a:extLst>
+                <a:ext uri="{FF2B5EF4-FFF2-40B4-BE49-F238E27FC236}">
+                  <a16:creationId xmlns:a16="http://schemas.microsoft.com/office/drawing/2014/main" id="{39C80F2F-2797-4417-A66D-AD6702ABEB13}"/>
+                </a:ext>
+              </a:extLst>
+            </p:cNvPr>
+            <p:cNvSpPr txBox="1"/>
+            <p:nvPr/>
+          </p:nvSpPr>
+          <p:spPr>
+            <a:xfrm>
+              <a:off x="6156176" y="4706560"/>
+              <a:ext cx="2232249" cy="738664"/>
+            </a:xfrm>
+            <a:prstGeom prst="rect">
+              <a:avLst/>
+            </a:prstGeom>
+            <a:noFill/>
+          </p:spPr>
+          <p:txBody>
+            <a:bodyPr wrap="square" rtlCol="0">
+              <a:spAutoFit/>
+            </a:bodyPr>
+            <a:lstStyle/>
+            <a:p>
+              <a:r>
+                <a:rPr lang="en-US" sz="1400" dirty="0"/>
+                <a:t>Source: </a:t>
+              </a:r>
+              <a:r>
+                <a:rPr lang="en-US" sz="1400" b="1" dirty="0"/>
+                <a:t>Tektronix Primer </a:t>
+              </a:r>
+              <a:r>
+                <a:rPr lang="en-US" sz="1400" dirty="0"/>
+                <a:t>„Understanding and Characterizing Timing Jitter“</a:t>
+              </a:r>
+              <a:endParaRPr lang="de-DE" sz="1400" dirty="0"/>
+            </a:p>
+          </p:txBody>
+        </p:sp>
+      </p:grpSp>
+    </p:spTree>
+    <p:extLst>
+      <p:ext uri="{BB962C8B-B14F-4D97-AF65-F5344CB8AC3E}">
+        <p14:creationId xmlns:p14="http://schemas.microsoft.com/office/powerpoint/2010/main" val="4233037540"/>
+      </p:ext>
+    </p:extLst>
+  </p:cSld>
+  <p:clrMapOvr>
+    <a:masterClrMapping/>
+  </p:clrMapOvr>
+</p:sld>
+</file>
+
+<file path=ppt/slides/slide6.xml><?xml version="1.0" encoding="utf-8"?>
+<p:sld xmlns:a="http://schemas.openxmlformats.org/drawingml/2006/main" xmlns:r="http://schemas.openxmlformats.org/officeDocument/2006/relationships" xmlns:p="http://schemas.openxmlformats.org/presentationml/2006/main">
+  <p:cSld>
+    <p:spTree>
+      <p:nvGrpSpPr>
+        <p:cNvPr id="1" name=""/>
+        <p:cNvGrpSpPr/>
+        <p:nvPr/>
+      </p:nvGrpSpPr>
+      <p:grpSpPr>
+        <a:xfrm>
+          <a:off x="0" y="0"/>
+          <a:ext cx="0" cy="0"/>
+          <a:chOff x="0" y="0"/>
+          <a:chExt cx="0" cy="0"/>
+        </a:xfrm>
+      </p:grpSpPr>
+      <p:grpSp>
+        <p:nvGrpSpPr>
           <p:cNvPr id="12" name="Gruppieren 11">
             <a:extLst>
               <a:ext uri="{FF2B5EF4-FFF2-40B4-BE49-F238E27FC236}">

--- a/images/images.pptx
+++ b/images/images.pptx
@@ -6,8 +6,8 @@
   </p:sldMasterIdLst>
   <p:sldIdLst>
     <p:sldId id="259" r:id="rId2"/>
-    <p:sldId id="261" r:id="rId3"/>
-    <p:sldId id="258" r:id="rId4"/>
+    <p:sldId id="258" r:id="rId3"/>
+    <p:sldId id="261" r:id="rId4"/>
     <p:sldId id="262" r:id="rId5"/>
     <p:sldId id="264" r:id="rId6"/>
     <p:sldId id="263" r:id="rId7"/>
@@ -290,7 +290,7 @@
           <a:p>
             <a:fld id="{79B32930-E64A-4C15-BE82-E9B63F26C808}" type="datetimeFigureOut">
               <a:rPr lang="de-DE" smtClean="0"/>
-              <a:t>13.04.2021</a:t>
+              <a:t>15.04.2021</a:t>
             </a:fld>
             <a:endParaRPr lang="de-DE"/>
           </a:p>
@@ -488,7 +488,7 @@
           <a:p>
             <a:fld id="{79B32930-E64A-4C15-BE82-E9B63F26C808}" type="datetimeFigureOut">
               <a:rPr lang="de-DE" smtClean="0"/>
-              <a:t>13.04.2021</a:t>
+              <a:t>15.04.2021</a:t>
             </a:fld>
             <a:endParaRPr lang="de-DE"/>
           </a:p>
@@ -696,7 +696,7 @@
           <a:p>
             <a:fld id="{79B32930-E64A-4C15-BE82-E9B63F26C808}" type="datetimeFigureOut">
               <a:rPr lang="de-DE" smtClean="0"/>
-              <a:t>13.04.2021</a:t>
+              <a:t>15.04.2021</a:t>
             </a:fld>
             <a:endParaRPr lang="de-DE"/>
           </a:p>
@@ -894,7 +894,7 @@
           <a:p>
             <a:fld id="{79B32930-E64A-4C15-BE82-E9B63F26C808}" type="datetimeFigureOut">
               <a:rPr lang="de-DE" smtClean="0"/>
-              <a:t>13.04.2021</a:t>
+              <a:t>15.04.2021</a:t>
             </a:fld>
             <a:endParaRPr lang="de-DE"/>
           </a:p>
@@ -1169,7 +1169,7 @@
           <a:p>
             <a:fld id="{79B32930-E64A-4C15-BE82-E9B63F26C808}" type="datetimeFigureOut">
               <a:rPr lang="de-DE" smtClean="0"/>
-              <a:t>13.04.2021</a:t>
+              <a:t>15.04.2021</a:t>
             </a:fld>
             <a:endParaRPr lang="de-DE"/>
           </a:p>
@@ -1434,7 +1434,7 @@
           <a:p>
             <a:fld id="{79B32930-E64A-4C15-BE82-E9B63F26C808}" type="datetimeFigureOut">
               <a:rPr lang="de-DE" smtClean="0"/>
-              <a:t>13.04.2021</a:t>
+              <a:t>15.04.2021</a:t>
             </a:fld>
             <a:endParaRPr lang="de-DE"/>
           </a:p>
@@ -1846,7 +1846,7 @@
           <a:p>
             <a:fld id="{79B32930-E64A-4C15-BE82-E9B63F26C808}" type="datetimeFigureOut">
               <a:rPr lang="de-DE" smtClean="0"/>
-              <a:t>13.04.2021</a:t>
+              <a:t>15.04.2021</a:t>
             </a:fld>
             <a:endParaRPr lang="de-DE"/>
           </a:p>
@@ -1987,7 +1987,7 @@
           <a:p>
             <a:fld id="{79B32930-E64A-4C15-BE82-E9B63F26C808}" type="datetimeFigureOut">
               <a:rPr lang="de-DE" smtClean="0"/>
-              <a:t>13.04.2021</a:t>
+              <a:t>15.04.2021</a:t>
             </a:fld>
             <a:endParaRPr lang="de-DE"/>
           </a:p>
@@ -2100,7 +2100,7 @@
           <a:p>
             <a:fld id="{79B32930-E64A-4C15-BE82-E9B63F26C808}" type="datetimeFigureOut">
               <a:rPr lang="de-DE" smtClean="0"/>
-              <a:t>13.04.2021</a:t>
+              <a:t>15.04.2021</a:t>
             </a:fld>
             <a:endParaRPr lang="de-DE"/>
           </a:p>
@@ -2411,7 +2411,7 @@
           <a:p>
             <a:fld id="{79B32930-E64A-4C15-BE82-E9B63F26C808}" type="datetimeFigureOut">
               <a:rPr lang="de-DE" smtClean="0"/>
-              <a:t>13.04.2021</a:t>
+              <a:t>15.04.2021</a:t>
             </a:fld>
             <a:endParaRPr lang="de-DE"/>
           </a:p>
@@ -2699,7 +2699,7 @@
           <a:p>
             <a:fld id="{79B32930-E64A-4C15-BE82-E9B63F26C808}" type="datetimeFigureOut">
               <a:rPr lang="de-DE" smtClean="0"/>
-              <a:t>13.04.2021</a:t>
+              <a:t>15.04.2021</a:t>
             </a:fld>
             <a:endParaRPr lang="de-DE"/>
           </a:p>
@@ -2940,7 +2940,7 @@
           <a:p>
             <a:fld id="{79B32930-E64A-4C15-BE82-E9B63F26C808}" type="datetimeFigureOut">
               <a:rPr lang="de-DE" smtClean="0"/>
-              <a:t>13.04.2021</a:t>
+              <a:t>15.04.2021</a:t>
             </a:fld>
             <a:endParaRPr lang="de-DE"/>
           </a:p>
@@ -3357,12 +3357,433 @@
           <a:chExt cx="0" cy="0"/>
         </a:xfrm>
       </p:grpSpPr>
+      <p:pic>
+        <p:nvPicPr>
+          <p:cNvPr id="4" name="Grafik 3">
+            <a:extLst>
+              <a:ext uri="{FF2B5EF4-FFF2-40B4-BE49-F238E27FC236}">
+                <a16:creationId xmlns:a16="http://schemas.microsoft.com/office/drawing/2014/main" id="{CA1FC5AD-D505-450D-8346-DBADCB22DECF}"/>
+              </a:ext>
+            </a:extLst>
+          </p:cNvPr>
+          <p:cNvPicPr>
+            <a:picLocks noChangeAspect="1"/>
+          </p:cNvPicPr>
+          <p:nvPr/>
+        </p:nvPicPr>
+        <p:blipFill>
+          <a:blip r:embed="rId2">
+            <a:extLst>
+              <a:ext uri="{28A0092B-C50C-407E-A947-70E740481C1C}">
+                <a14:useLocalDpi xmlns:a14="http://schemas.microsoft.com/office/drawing/2010/main" val="0"/>
+              </a:ext>
+            </a:extLst>
+          </a:blip>
+          <a:stretch>
+            <a:fillRect/>
+          </a:stretch>
+        </p:blipFill>
+        <p:spPr>
+          <a:xfrm>
+            <a:off x="1213089" y="0"/>
+            <a:ext cx="10029981" cy="6858000"/>
+          </a:xfrm>
+          <a:prstGeom prst="rect">
+            <a:avLst/>
+          </a:prstGeom>
+        </p:spPr>
+      </p:pic>
+      <p:cxnSp>
+        <p:nvCxnSpPr>
+          <p:cNvPr id="6" name="Gerader Verbinder 5">
+            <a:extLst>
+              <a:ext uri="{FF2B5EF4-FFF2-40B4-BE49-F238E27FC236}">
+                <a16:creationId xmlns:a16="http://schemas.microsoft.com/office/drawing/2014/main" id="{E09691DC-65C8-4151-9D96-2C6CF9C50442}"/>
+              </a:ext>
+            </a:extLst>
+          </p:cNvPr>
+          <p:cNvCxnSpPr>
+            <a:cxnSpLocks/>
+          </p:cNvCxnSpPr>
+          <p:nvPr/>
+        </p:nvCxnSpPr>
+        <p:spPr>
+          <a:xfrm>
+            <a:off x="3342640" y="426720"/>
+            <a:ext cx="0" cy="4958080"/>
+          </a:xfrm>
+          <a:prstGeom prst="line">
+            <a:avLst/>
+          </a:prstGeom>
+          <a:ln w="28575">
+            <a:solidFill>
+              <a:schemeClr val="tx1"/>
+            </a:solidFill>
+            <a:prstDash val="sysDash"/>
+          </a:ln>
+        </p:spPr>
+        <p:style>
+          <a:lnRef idx="1">
+            <a:schemeClr val="accent1"/>
+          </a:lnRef>
+          <a:fillRef idx="0">
+            <a:schemeClr val="accent1"/>
+          </a:fillRef>
+          <a:effectRef idx="0">
+            <a:schemeClr val="accent1"/>
+          </a:effectRef>
+          <a:fontRef idx="minor">
+            <a:schemeClr val="tx1"/>
+          </a:fontRef>
+        </p:style>
+      </p:cxnSp>
+      <p:cxnSp>
+        <p:nvCxnSpPr>
+          <p:cNvPr id="10" name="Gerader Verbinder 9">
+            <a:extLst>
+              <a:ext uri="{FF2B5EF4-FFF2-40B4-BE49-F238E27FC236}">
+                <a16:creationId xmlns:a16="http://schemas.microsoft.com/office/drawing/2014/main" id="{AB17C9CC-F542-4E65-8C1D-20486AEC5D88}"/>
+              </a:ext>
+            </a:extLst>
+          </p:cNvPr>
+          <p:cNvCxnSpPr>
+            <a:cxnSpLocks/>
+          </p:cNvCxnSpPr>
+          <p:nvPr/>
+        </p:nvCxnSpPr>
+        <p:spPr>
+          <a:xfrm>
+            <a:off x="9164320" y="426720"/>
+            <a:ext cx="0" cy="4958080"/>
+          </a:xfrm>
+          <a:prstGeom prst="line">
+            <a:avLst/>
+          </a:prstGeom>
+          <a:ln w="28575">
+            <a:solidFill>
+              <a:schemeClr val="tx1"/>
+            </a:solidFill>
+            <a:prstDash val="sysDash"/>
+          </a:ln>
+        </p:spPr>
+        <p:style>
+          <a:lnRef idx="1">
+            <a:schemeClr val="accent1"/>
+          </a:lnRef>
+          <a:fillRef idx="0">
+            <a:schemeClr val="accent1"/>
+          </a:fillRef>
+          <a:effectRef idx="0">
+            <a:schemeClr val="accent1"/>
+          </a:effectRef>
+          <a:fontRef idx="minor">
+            <a:schemeClr val="tx1"/>
+          </a:fontRef>
+        </p:style>
+      </p:cxnSp>
+      <p:cxnSp>
+        <p:nvCxnSpPr>
+          <p:cNvPr id="12" name="Gerade Verbindung mit Pfeil 11">
+            <a:extLst>
+              <a:ext uri="{FF2B5EF4-FFF2-40B4-BE49-F238E27FC236}">
+                <a16:creationId xmlns:a16="http://schemas.microsoft.com/office/drawing/2014/main" id="{6BA962D1-B0C9-4D1F-B496-43D9241F5C8C}"/>
+              </a:ext>
+            </a:extLst>
+          </p:cNvPr>
+          <p:cNvCxnSpPr/>
+          <p:nvPr/>
+        </p:nvCxnSpPr>
+        <p:spPr>
+          <a:xfrm>
+            <a:off x="3342640" y="5069840"/>
+            <a:ext cx="5831840" cy="0"/>
+          </a:xfrm>
+          <a:prstGeom prst="straightConnector1">
+            <a:avLst/>
+          </a:prstGeom>
+          <a:ln w="28575">
+            <a:solidFill>
+              <a:schemeClr val="tx1"/>
+            </a:solidFill>
+            <a:headEnd type="arrow" w="lg" len="lg"/>
+            <a:tailEnd type="arrow" w="lg" len="lg"/>
+          </a:ln>
+        </p:spPr>
+        <p:style>
+          <a:lnRef idx="1">
+            <a:schemeClr val="accent1"/>
+          </a:lnRef>
+          <a:fillRef idx="0">
+            <a:schemeClr val="accent1"/>
+          </a:fillRef>
+          <a:effectRef idx="0">
+            <a:schemeClr val="accent1"/>
+          </a:effectRef>
+          <a:fontRef idx="minor">
+            <a:schemeClr val="tx1"/>
+          </a:fontRef>
+        </p:style>
+      </p:cxnSp>
+      <p:sp>
+        <p:nvSpPr>
+          <p:cNvPr id="13" name="Rechteck: abgerundete Ecken 12">
+            <a:extLst>
+              <a:ext uri="{FF2B5EF4-FFF2-40B4-BE49-F238E27FC236}">
+                <a16:creationId xmlns:a16="http://schemas.microsoft.com/office/drawing/2014/main" id="{ABAC2984-8DE1-41BC-A8EE-6959D0860F71}"/>
+              </a:ext>
+            </a:extLst>
+          </p:cNvPr>
+          <p:cNvSpPr/>
+          <p:nvPr/>
+        </p:nvSpPr>
+        <p:spPr>
+          <a:xfrm>
+            <a:off x="5161280" y="4897120"/>
+            <a:ext cx="2468873" cy="335280"/>
+          </a:xfrm>
+          <a:prstGeom prst="roundRect">
+            <a:avLst/>
+          </a:prstGeom>
+          <a:solidFill>
+            <a:schemeClr val="bg1"/>
+          </a:solidFill>
+          <a:ln w="28575">
+            <a:solidFill>
+              <a:schemeClr val="tx1"/>
+            </a:solidFill>
+            <a:headEnd type="arrow" w="lg" len="lg"/>
+            <a:tailEnd type="arrow" w="lg" len="lg"/>
+          </a:ln>
+        </p:spPr>
+        <p:style>
+          <a:lnRef idx="1">
+            <a:schemeClr val="accent1"/>
+          </a:lnRef>
+          <a:fillRef idx="0">
+            <a:schemeClr val="accent1"/>
+          </a:fillRef>
+          <a:effectRef idx="0">
+            <a:schemeClr val="accent1"/>
+          </a:effectRef>
+          <a:fontRef idx="minor">
+            <a:schemeClr val="tx1"/>
+          </a:fontRef>
+        </p:style>
+        <p:txBody>
+          <a:bodyPr rtlCol="0" anchor="ctr"/>
+          <a:lstStyle/>
+          <a:p>
+            <a:pPr algn="ctr"/>
+            <a:r>
+              <a:rPr lang="de-DE" dirty="0" err="1"/>
+              <a:t>one</a:t>
+            </a:r>
+            <a:r>
+              <a:rPr lang="de-DE" dirty="0"/>
+              <a:t> </a:t>
+            </a:r>
+            <a:r>
+              <a:rPr lang="de-DE" dirty="0" err="1"/>
+              <a:t>unit</a:t>
+            </a:r>
+            <a:r>
+              <a:rPr lang="de-DE" dirty="0"/>
+              <a:t> </a:t>
+            </a:r>
+            <a:r>
+              <a:rPr lang="de-DE" dirty="0" err="1"/>
+              <a:t>interval</a:t>
+            </a:r>
+            <a:r>
+              <a:rPr lang="de-DE" dirty="0"/>
+              <a:t> (UI)</a:t>
+            </a:r>
+          </a:p>
+        </p:txBody>
+      </p:sp>
+      <p:cxnSp>
+        <p:nvCxnSpPr>
+          <p:cNvPr id="14" name="Gerade Verbindung mit Pfeil 13">
+            <a:extLst>
+              <a:ext uri="{FF2B5EF4-FFF2-40B4-BE49-F238E27FC236}">
+                <a16:creationId xmlns:a16="http://schemas.microsoft.com/office/drawing/2014/main" id="{A49CEB41-5324-4DF9-A7AE-6CCED84F7E9E}"/>
+              </a:ext>
+            </a:extLst>
+          </p:cNvPr>
+          <p:cNvCxnSpPr>
+            <a:cxnSpLocks/>
+          </p:cNvCxnSpPr>
+          <p:nvPr/>
+        </p:nvCxnSpPr>
+        <p:spPr>
+          <a:xfrm>
+            <a:off x="2580640" y="2722880"/>
+            <a:ext cx="1544320" cy="0"/>
+          </a:xfrm>
+          <a:prstGeom prst="straightConnector1">
+            <a:avLst/>
+          </a:prstGeom>
+          <a:ln w="28575">
+            <a:solidFill>
+              <a:schemeClr val="tx1"/>
+            </a:solidFill>
+            <a:headEnd type="arrow" w="lg" len="lg"/>
+            <a:tailEnd type="arrow" w="lg" len="lg"/>
+          </a:ln>
+        </p:spPr>
+        <p:style>
+          <a:lnRef idx="1">
+            <a:schemeClr val="accent1"/>
+          </a:lnRef>
+          <a:fillRef idx="0">
+            <a:schemeClr val="accent1"/>
+          </a:fillRef>
+          <a:effectRef idx="0">
+            <a:schemeClr val="accent1"/>
+          </a:effectRef>
+          <a:fontRef idx="minor">
+            <a:schemeClr val="tx1"/>
+          </a:fontRef>
+        </p:style>
+      </p:cxnSp>
+      <p:sp>
+        <p:nvSpPr>
+          <p:cNvPr id="15" name="Rechteck: abgerundete Ecken 14">
+            <a:extLst>
+              <a:ext uri="{FF2B5EF4-FFF2-40B4-BE49-F238E27FC236}">
+                <a16:creationId xmlns:a16="http://schemas.microsoft.com/office/drawing/2014/main" id="{7CCAF826-400F-4299-BE72-11E4EB3F1FC3}"/>
+              </a:ext>
+            </a:extLst>
+          </p:cNvPr>
+          <p:cNvSpPr/>
+          <p:nvPr/>
+        </p:nvSpPr>
+        <p:spPr>
+          <a:xfrm>
+            <a:off x="4409448" y="2280920"/>
+            <a:ext cx="934720" cy="335280"/>
+          </a:xfrm>
+          <a:prstGeom prst="roundRect">
+            <a:avLst/>
+          </a:prstGeom>
+          <a:solidFill>
+            <a:schemeClr val="bg1"/>
+          </a:solidFill>
+          <a:ln w="28575">
+            <a:solidFill>
+              <a:schemeClr val="tx1"/>
+            </a:solidFill>
+            <a:headEnd type="arrow" w="lg" len="lg"/>
+            <a:tailEnd type="arrow" w="lg" len="lg"/>
+          </a:ln>
+        </p:spPr>
+        <p:style>
+          <a:lnRef idx="1">
+            <a:schemeClr val="accent1"/>
+          </a:lnRef>
+          <a:fillRef idx="0">
+            <a:schemeClr val="accent1"/>
+          </a:fillRef>
+          <a:effectRef idx="0">
+            <a:schemeClr val="accent1"/>
+          </a:effectRef>
+          <a:fontRef idx="minor">
+            <a:schemeClr val="tx1"/>
+          </a:fontRef>
+        </p:style>
+        <p:txBody>
+          <a:bodyPr rtlCol="0" anchor="ctr"/>
+          <a:lstStyle/>
+          <a:p>
+            <a:pPr algn="ctr"/>
+            <a:r>
+              <a:rPr lang="de-DE" dirty="0" err="1"/>
+              <a:t>Jitter</a:t>
+            </a:r>
+            <a:endParaRPr lang="de-DE" dirty="0"/>
+          </a:p>
+        </p:txBody>
+      </p:sp>
+      <p:cxnSp>
+        <p:nvCxnSpPr>
+          <p:cNvPr id="17" name="Gerader Verbinder 16">
+            <a:extLst>
+              <a:ext uri="{FF2B5EF4-FFF2-40B4-BE49-F238E27FC236}">
+                <a16:creationId xmlns:a16="http://schemas.microsoft.com/office/drawing/2014/main" id="{46176EED-CCBF-42BF-8334-DDC95A21DBAA}"/>
+              </a:ext>
+            </a:extLst>
+          </p:cNvPr>
+          <p:cNvCxnSpPr>
+            <a:cxnSpLocks/>
+          </p:cNvCxnSpPr>
+          <p:nvPr/>
+        </p:nvCxnSpPr>
+        <p:spPr>
+          <a:xfrm flipH="1">
+            <a:off x="3464562" y="2433320"/>
+            <a:ext cx="934719" cy="284480"/>
+          </a:xfrm>
+          <a:prstGeom prst="line">
+            <a:avLst/>
+          </a:prstGeom>
+          <a:ln w="28575">
+            <a:solidFill>
+              <a:schemeClr val="tx1"/>
+            </a:solidFill>
+            <a:prstDash val="sysDash"/>
+          </a:ln>
+        </p:spPr>
+        <p:style>
+          <a:lnRef idx="1">
+            <a:schemeClr val="accent1"/>
+          </a:lnRef>
+          <a:fillRef idx="0">
+            <a:schemeClr val="accent1"/>
+          </a:fillRef>
+          <a:effectRef idx="0">
+            <a:schemeClr val="accent1"/>
+          </a:effectRef>
+          <a:fontRef idx="minor">
+            <a:schemeClr val="tx1"/>
+          </a:fontRef>
+        </p:style>
+      </p:cxnSp>
+    </p:spTree>
+    <p:extLst>
+      <p:ext uri="{BB962C8B-B14F-4D97-AF65-F5344CB8AC3E}">
+        <p14:creationId xmlns:p14="http://schemas.microsoft.com/office/powerpoint/2010/main" val="973927653"/>
+      </p:ext>
+    </p:extLst>
+  </p:cSld>
+  <p:clrMapOvr>
+    <a:masterClrMapping/>
+  </p:clrMapOvr>
+</p:sld>
+</file>
+
+<file path=ppt/slides/slide2.xml><?xml version="1.0" encoding="utf-8"?>
+<p:sld xmlns:a="http://schemas.openxmlformats.org/drawingml/2006/main" xmlns:r="http://schemas.openxmlformats.org/officeDocument/2006/relationships" xmlns:p="http://schemas.openxmlformats.org/presentationml/2006/main">
+  <p:cSld>
+    <p:spTree>
+      <p:nvGrpSpPr>
+        <p:cNvPr id="1" name=""/>
+        <p:cNvGrpSpPr/>
+        <p:nvPr/>
+      </p:nvGrpSpPr>
+      <p:grpSpPr>
+        <a:xfrm>
+          <a:off x="0" y="0"/>
+          <a:ext cx="0" cy="0"/>
+          <a:chOff x="0" y="0"/>
+          <a:chExt cx="0" cy="0"/>
+        </a:xfrm>
+      </p:grpSpPr>
       <p:grpSp>
         <p:nvGrpSpPr>
-          <p:cNvPr id="20" name="Gruppieren 19">
-            <a:extLst>
-              <a:ext uri="{FF2B5EF4-FFF2-40B4-BE49-F238E27FC236}">
-                <a16:creationId xmlns:a16="http://schemas.microsoft.com/office/drawing/2014/main" id="{47F5B4C3-87F5-47E8-AAFA-1C367BED57EC}"/>
+          <p:cNvPr id="14" name="Gruppieren 13">
+            <a:extLst>
+              <a:ext uri="{FF2B5EF4-FFF2-40B4-BE49-F238E27FC236}">
+                <a16:creationId xmlns:a16="http://schemas.microsoft.com/office/drawing/2014/main" id="{98CBE630-B8DC-4463-A353-BCF22F493C10}"/>
               </a:ext>
             </a:extLst>
           </p:cNvPr>
@@ -3371,18 +3792,59 @@
         </p:nvGrpSpPr>
         <p:grpSpPr>
           <a:xfrm>
-            <a:off x="1213089" y="0"/>
+            <a:off x="1214179" y="0"/>
             <a:ext cx="10029981" cy="6858000"/>
-            <a:chOff x="1213089" y="0"/>
+            <a:chOff x="1214179" y="0"/>
             <a:chExt cx="10029981" cy="6858000"/>
           </a:xfrm>
         </p:grpSpPr>
+        <p:cxnSp>
+          <p:nvCxnSpPr>
+            <p:cNvPr id="6" name="Gerader Verbinder 5">
+              <a:extLst>
+                <a:ext uri="{FF2B5EF4-FFF2-40B4-BE49-F238E27FC236}">
+                  <a16:creationId xmlns:a16="http://schemas.microsoft.com/office/drawing/2014/main" id="{038F217C-C08A-4D9B-B3E0-2D7C72403BF7}"/>
+                </a:ext>
+              </a:extLst>
+            </p:cNvPr>
+            <p:cNvCxnSpPr/>
+            <p:nvPr/>
+          </p:nvCxnSpPr>
+          <p:spPr>
+            <a:xfrm>
+              <a:off x="3444240" y="2080260"/>
+              <a:ext cx="4747260" cy="0"/>
+            </a:xfrm>
+            <a:prstGeom prst="line">
+              <a:avLst/>
+            </a:prstGeom>
+            <a:ln w="28575">
+              <a:solidFill>
+                <a:schemeClr val="accent2"/>
+              </a:solidFill>
+            </a:ln>
+          </p:spPr>
+          <p:style>
+            <a:lnRef idx="1">
+              <a:schemeClr val="accent1"/>
+            </a:lnRef>
+            <a:fillRef idx="0">
+              <a:schemeClr val="accent1"/>
+            </a:fillRef>
+            <a:effectRef idx="0">
+              <a:schemeClr val="accent1"/>
+            </a:effectRef>
+            <a:fontRef idx="minor">
+              <a:schemeClr val="tx1"/>
+            </a:fontRef>
+          </p:style>
+        </p:cxnSp>
         <p:pic>
           <p:nvPicPr>
-            <p:cNvPr id="4" name="Grafik 3">
+            <p:cNvPr id="10" name="Grafik 9">
               <a:extLst>
                 <a:ext uri="{FF2B5EF4-FFF2-40B4-BE49-F238E27FC236}">
-                  <a16:creationId xmlns:a16="http://schemas.microsoft.com/office/drawing/2014/main" id="{CA1FC5AD-D505-450D-8346-DBADCB22DECF}"/>
+                  <a16:creationId xmlns:a16="http://schemas.microsoft.com/office/drawing/2014/main" id="{AC7E3830-C871-4946-9B8A-BDDD3A1B34FB}"/>
                 </a:ext>
               </a:extLst>
             </p:cNvPr>
@@ -3405,7 +3867,7 @@
           </p:blipFill>
           <p:spPr>
             <a:xfrm>
-              <a:off x="1213089" y="0"/>
+              <a:off x="1214179" y="0"/>
               <a:ext cx="10029981" cy="6858000"/>
             </a:xfrm>
             <a:prstGeom prst="rect">
@@ -3415,10 +3877,10 @@
         </p:pic>
         <p:cxnSp>
           <p:nvCxnSpPr>
-            <p:cNvPr id="6" name="Gerader Verbinder 5">
+            <p:cNvPr id="4" name="Gerader Verbinder 3">
               <a:extLst>
                 <a:ext uri="{FF2B5EF4-FFF2-40B4-BE49-F238E27FC236}">
-                  <a16:creationId xmlns:a16="http://schemas.microsoft.com/office/drawing/2014/main" id="{E09691DC-65C8-4151-9D96-2C6CF9C50442}"/>
+                  <a16:creationId xmlns:a16="http://schemas.microsoft.com/office/drawing/2014/main" id="{BC4BC519-A190-460A-8030-748F43993AA9}"/>
                 </a:ext>
               </a:extLst>
             </p:cNvPr>
@@ -3459,10 +3921,10 @@
         </p:cxnSp>
         <p:cxnSp>
           <p:nvCxnSpPr>
-            <p:cNvPr id="10" name="Gerader Verbinder 9">
+            <p:cNvPr id="5" name="Gerader Verbinder 4">
               <a:extLst>
                 <a:ext uri="{FF2B5EF4-FFF2-40B4-BE49-F238E27FC236}">
-                  <a16:creationId xmlns:a16="http://schemas.microsoft.com/office/drawing/2014/main" id="{AB17C9CC-F542-4E65-8C1D-20486AEC5D88}"/>
+                  <a16:creationId xmlns:a16="http://schemas.microsoft.com/office/drawing/2014/main" id="{61E38EF3-CF52-49A8-B53D-055BE0DA746B}"/>
                 </a:ext>
               </a:extLst>
             </p:cNvPr>
@@ -3503,10 +3965,10 @@
         </p:cxnSp>
         <p:cxnSp>
           <p:nvCxnSpPr>
-            <p:cNvPr id="12" name="Gerade Verbindung mit Pfeil 11">
+            <p:cNvPr id="7" name="Gerade Verbindung mit Pfeil 6">
               <a:extLst>
                 <a:ext uri="{FF2B5EF4-FFF2-40B4-BE49-F238E27FC236}">
-                  <a16:creationId xmlns:a16="http://schemas.microsoft.com/office/drawing/2014/main" id="{6BA962D1-B0C9-4D1F-B496-43D9241F5C8C}"/>
+                  <a16:creationId xmlns:a16="http://schemas.microsoft.com/office/drawing/2014/main" id="{1C224092-C26C-4462-BB2E-9F477A02729E}"/>
                 </a:ext>
               </a:extLst>
             </p:cNvPr>
@@ -3546,10 +4008,10 @@
         </p:cxnSp>
         <p:sp>
           <p:nvSpPr>
-            <p:cNvPr id="13" name="Rechteck: abgerundete Ecken 12">
+            <p:cNvPr id="8" name="Rechteck: abgerundete Ecken 7">
               <a:extLst>
                 <a:ext uri="{FF2B5EF4-FFF2-40B4-BE49-F238E27FC236}">
-                  <a16:creationId xmlns:a16="http://schemas.microsoft.com/office/drawing/2014/main" id="{ABAC2984-8DE1-41BC-A8EE-6959D0860F71}"/>
+                  <a16:creationId xmlns:a16="http://schemas.microsoft.com/office/drawing/2014/main" id="{9DEDE1DD-761F-4EB6-9F11-9DCFE4F0301A}"/>
                 </a:ext>
               </a:extLst>
             </p:cNvPr>
@@ -3623,10 +4085,10 @@
         </p:sp>
         <p:cxnSp>
           <p:nvCxnSpPr>
-            <p:cNvPr id="14" name="Gerade Verbindung mit Pfeil 13">
+            <p:cNvPr id="9" name="Gerade Verbindung mit Pfeil 8">
               <a:extLst>
                 <a:ext uri="{FF2B5EF4-FFF2-40B4-BE49-F238E27FC236}">
-                  <a16:creationId xmlns:a16="http://schemas.microsoft.com/office/drawing/2014/main" id="{A49CEB41-5324-4DF9-A7AE-6CCED84F7E9E}"/>
+                  <a16:creationId xmlns:a16="http://schemas.microsoft.com/office/drawing/2014/main" id="{F4E969F6-B8C9-4551-927E-D8BEEF04E9DA}"/>
                 </a:ext>
               </a:extLst>
             </p:cNvPr>
@@ -3637,8 +4099,8 @@
           </p:nvCxnSpPr>
           <p:spPr>
             <a:xfrm>
-              <a:off x="2580640" y="2722880"/>
-              <a:ext cx="1544320" cy="0"/>
+              <a:off x="2423603" y="2717800"/>
+              <a:ext cx="1899822" cy="0"/>
             </a:xfrm>
             <a:prstGeom prst="straightConnector1">
               <a:avLst/>
@@ -3668,10 +4130,10 @@
         </p:cxnSp>
         <p:sp>
           <p:nvSpPr>
-            <p:cNvPr id="15" name="Rechteck: abgerundete Ecken 14">
+            <p:cNvPr id="11" name="Rechteck: abgerundete Ecken 10">
               <a:extLst>
                 <a:ext uri="{FF2B5EF4-FFF2-40B4-BE49-F238E27FC236}">
-                  <a16:creationId xmlns:a16="http://schemas.microsoft.com/office/drawing/2014/main" id="{7CCAF826-400F-4299-BE72-11E4EB3F1FC3}"/>
+                  <a16:creationId xmlns:a16="http://schemas.microsoft.com/office/drawing/2014/main" id="{8C72CAA4-9B5A-4E16-808F-59957E7E1D40}"/>
                 </a:ext>
               </a:extLst>
             </p:cNvPr>
@@ -3726,10 +4188,10 @@
         </p:sp>
         <p:cxnSp>
           <p:nvCxnSpPr>
-            <p:cNvPr id="17" name="Gerader Verbinder 16">
+            <p:cNvPr id="12" name="Gerader Verbinder 11">
               <a:extLst>
                 <a:ext uri="{FF2B5EF4-FFF2-40B4-BE49-F238E27FC236}">
-                  <a16:creationId xmlns:a16="http://schemas.microsoft.com/office/drawing/2014/main" id="{46176EED-CCBF-42BF-8334-DDC95A21DBAA}"/>
+                  <a16:creationId xmlns:a16="http://schemas.microsoft.com/office/drawing/2014/main" id="{D6AEEBD3-E6B0-46B4-B0DE-9675F7E6FD93}"/>
                 </a:ext>
               </a:extLst>
             </p:cNvPr>
@@ -3772,72 +4234,7 @@
     </p:spTree>
     <p:extLst>
       <p:ext uri="{BB962C8B-B14F-4D97-AF65-F5344CB8AC3E}">
-        <p14:creationId xmlns:p14="http://schemas.microsoft.com/office/powerpoint/2010/main" val="973927653"/>
-      </p:ext>
-    </p:extLst>
-  </p:cSld>
-  <p:clrMapOvr>
-    <a:masterClrMapping/>
-  </p:clrMapOvr>
-</p:sld>
-</file>
-
-<file path=ppt/slides/slide2.xml><?xml version="1.0" encoding="utf-8"?>
-<p:sld xmlns:a="http://schemas.openxmlformats.org/drawingml/2006/main" xmlns:r="http://schemas.openxmlformats.org/officeDocument/2006/relationships" xmlns:p="http://schemas.openxmlformats.org/presentationml/2006/main">
-  <p:cSld>
-    <p:spTree>
-      <p:nvGrpSpPr>
-        <p:cNvPr id="1" name=""/>
-        <p:cNvGrpSpPr/>
-        <p:nvPr/>
-      </p:nvGrpSpPr>
-      <p:grpSpPr>
-        <a:xfrm>
-          <a:off x="0" y="0"/>
-          <a:ext cx="0" cy="0"/>
-          <a:chOff x="0" y="0"/>
-          <a:chExt cx="0" cy="0"/>
-        </a:xfrm>
-      </p:grpSpPr>
-      <p:pic>
-        <p:nvPicPr>
-          <p:cNvPr id="4" name="Grafik 3">
-            <a:extLst>
-              <a:ext uri="{FF2B5EF4-FFF2-40B4-BE49-F238E27FC236}">
-                <a16:creationId xmlns:a16="http://schemas.microsoft.com/office/drawing/2014/main" id="{CA1FC5AD-D505-450D-8346-DBADCB22DECF}"/>
-              </a:ext>
-            </a:extLst>
-          </p:cNvPr>
-          <p:cNvPicPr>
-            <a:picLocks noChangeAspect="1"/>
-          </p:cNvPicPr>
-          <p:nvPr/>
-        </p:nvPicPr>
-        <p:blipFill rotWithShape="1">
-          <a:blip r:embed="rId2">
-            <a:extLst>
-              <a:ext uri="{28A0092B-C50C-407E-A947-70E740481C1C}">
-                <a14:useLocalDpi xmlns:a14="http://schemas.microsoft.com/office/drawing/2010/main" val="0"/>
-              </a:ext>
-            </a:extLst>
-          </a:blip>
-          <a:srcRect l="1986" t="592" r="1175" b="21037"/>
-          <a:stretch/>
-        </p:blipFill>
-        <p:spPr>
-          <a:xfrm>
-            <a:off x="1280160" y="40640"/>
-            <a:ext cx="9712960" cy="4541520"/>
-          </a:xfrm>
-          <a:prstGeom prst="rect">
-            <a:avLst/>
-          </a:prstGeom>
-        </p:spPr>
-      </p:pic>
-    </p:spTree>
-    <p:extLst>
-      <p:ext uri="{BB962C8B-B14F-4D97-AF65-F5344CB8AC3E}">
-        <p14:creationId xmlns:p14="http://schemas.microsoft.com/office/powerpoint/2010/main" val="3063322872"/>
+        <p14:creationId xmlns:p14="http://schemas.microsoft.com/office/powerpoint/2010/main" val="2741672230"/>
       </p:ext>
     </p:extLst>
   </p:cSld>
@@ -3864,53 +4261,12 @@
           <a:chExt cx="0" cy="0"/>
         </a:xfrm>
       </p:grpSpPr>
-      <p:cxnSp>
-        <p:nvCxnSpPr>
-          <p:cNvPr id="6" name="Gerader Verbinder 5">
-            <a:extLst>
-              <a:ext uri="{FF2B5EF4-FFF2-40B4-BE49-F238E27FC236}">
-                <a16:creationId xmlns:a16="http://schemas.microsoft.com/office/drawing/2014/main" id="{038F217C-C08A-4D9B-B3E0-2D7C72403BF7}"/>
-              </a:ext>
-            </a:extLst>
-          </p:cNvPr>
-          <p:cNvCxnSpPr/>
-          <p:nvPr/>
-        </p:nvCxnSpPr>
-        <p:spPr>
-          <a:xfrm>
-            <a:off x="3444240" y="2080260"/>
-            <a:ext cx="4747260" cy="0"/>
-          </a:xfrm>
-          <a:prstGeom prst="line">
-            <a:avLst/>
-          </a:prstGeom>
-          <a:ln w="28575">
-            <a:solidFill>
-              <a:schemeClr val="accent2"/>
-            </a:solidFill>
-          </a:ln>
-        </p:spPr>
-        <p:style>
-          <a:lnRef idx="1">
-            <a:schemeClr val="accent1"/>
-          </a:lnRef>
-          <a:fillRef idx="0">
-            <a:schemeClr val="accent1"/>
-          </a:fillRef>
-          <a:effectRef idx="0">
-            <a:schemeClr val="accent1"/>
-          </a:effectRef>
-          <a:fontRef idx="minor">
-            <a:schemeClr val="tx1"/>
-          </a:fontRef>
-        </p:style>
-      </p:cxnSp>
       <p:pic>
         <p:nvPicPr>
-          <p:cNvPr id="10" name="Grafik 9">
-            <a:extLst>
-              <a:ext uri="{FF2B5EF4-FFF2-40B4-BE49-F238E27FC236}">
-                <a16:creationId xmlns:a16="http://schemas.microsoft.com/office/drawing/2014/main" id="{AC7E3830-C871-4946-9B8A-BDDD3A1B34FB}"/>
+          <p:cNvPr id="4" name="Grafik 3">
+            <a:extLst>
+              <a:ext uri="{FF2B5EF4-FFF2-40B4-BE49-F238E27FC236}">
+                <a16:creationId xmlns:a16="http://schemas.microsoft.com/office/drawing/2014/main" id="{CA1FC5AD-D505-450D-8346-DBADCB22DECF}"/>
               </a:ext>
             </a:extLst>
           </p:cNvPr>
@@ -3919,7 +4275,7 @@
           </p:cNvPicPr>
           <p:nvPr/>
         </p:nvPicPr>
-        <p:blipFill>
+        <p:blipFill rotWithShape="1">
           <a:blip r:embed="rId2">
             <a:extLst>
               <a:ext uri="{28A0092B-C50C-407E-A947-70E740481C1C}">
@@ -3927,14 +4283,13 @@
               </a:ext>
             </a:extLst>
           </a:blip>
-          <a:stretch>
-            <a:fillRect/>
-          </a:stretch>
+          <a:srcRect l="1986" t="592" r="1175" b="21037"/>
+          <a:stretch/>
         </p:blipFill>
         <p:spPr>
           <a:xfrm>
-            <a:off x="1081009" y="0"/>
-            <a:ext cx="10029981" cy="6858000"/>
+            <a:off x="1280160" y="40640"/>
+            <a:ext cx="9712960" cy="4541520"/>
           </a:xfrm>
           <a:prstGeom prst="rect">
             <a:avLst/>
@@ -3944,7 +4299,7 @@
     </p:spTree>
     <p:extLst>
       <p:ext uri="{BB962C8B-B14F-4D97-AF65-F5344CB8AC3E}">
-        <p14:creationId xmlns:p14="http://schemas.microsoft.com/office/powerpoint/2010/main" val="2741672230"/>
+        <p14:creationId xmlns:p14="http://schemas.microsoft.com/office/powerpoint/2010/main" val="3063322872"/>
       </p:ext>
     </p:extLst>
   </p:cSld>
